--- a/ReadMeRes/imageFactory.pptx
+++ b/ReadMeRes/imageFactory.pptx
@@ -6,6 +6,8 @@
   </p:sldMasterIdLst>
   <p:sldIdLst>
     <p:sldId id="256" r:id="rId2"/>
+    <p:sldId id="258" r:id="rId3"/>
+    <p:sldId id="257" r:id="rId4"/>
   </p:sldIdLst>
   <p:sldSz cx="12192000" cy="6858000"/>
   <p:notesSz cx="6858000" cy="9144000"/>
@@ -105,6 +107,25 @@
     </a:lvl9pPr>
   </p:defaultTextStyle>
   <p:extLst>
+    <p:ext uri="{521415D9-36F7-43E2-AB2F-B90AF26B5E84}">
+      <p14:sectionLst xmlns:p14="http://schemas.microsoft.com/office/powerpoint/2010/main">
+        <p14:section name="Logo" id="{F7019E27-1EED-4693-9E6C-7CC033D6026B}">
+          <p14:sldIdLst>
+            <p14:sldId id="256"/>
+          </p14:sldIdLst>
+        </p14:section>
+        <p14:section name="Logo With Text" id="{8E48CCE1-8E90-4846-898C-7C68FCC71915}">
+          <p14:sldIdLst>
+            <p14:sldId id="258"/>
+          </p14:sldIdLst>
+        </p14:section>
+        <p14:section name="Card" id="{6E1ADC78-B666-49F3-A0BB-65DBCC4E181C}">
+          <p14:sldIdLst>
+            <p14:sldId id="257"/>
+          </p14:sldIdLst>
+        </p14:section>
+      </p14:sectionLst>
+    </p:ext>
     <p:ext uri="{EFAFB233-063F-42B5-8137-9DF3F51BA10A}">
       <p15:sldGuideLst xmlns:p15="http://schemas.microsoft.com/office/powerpoint/2012/main"/>
     </p:ext>
@@ -259,7 +280,7 @@
           <a:p>
             <a:fld id="{0E1CBFC1-E5DE-46B6-AEA5-4B39643D9F71}" type="datetimeFigureOut">
               <a:rPr lang="ko-KR" altLang="en-US" smtClean="0"/>
-              <a:t>2020-03-16</a:t>
+              <a:t>2020-07-29</a:t>
             </a:fld>
             <a:endParaRPr lang="ko-KR" altLang="en-US"/>
           </a:p>
@@ -457,7 +478,7 @@
           <a:p>
             <a:fld id="{0E1CBFC1-E5DE-46B6-AEA5-4B39643D9F71}" type="datetimeFigureOut">
               <a:rPr lang="ko-KR" altLang="en-US" smtClean="0"/>
-              <a:t>2020-03-16</a:t>
+              <a:t>2020-07-29</a:t>
             </a:fld>
             <a:endParaRPr lang="ko-KR" altLang="en-US"/>
           </a:p>
@@ -665,7 +686,7 @@
           <a:p>
             <a:fld id="{0E1CBFC1-E5DE-46B6-AEA5-4B39643D9F71}" type="datetimeFigureOut">
               <a:rPr lang="ko-KR" altLang="en-US" smtClean="0"/>
-              <a:t>2020-03-16</a:t>
+              <a:t>2020-07-29</a:t>
             </a:fld>
             <a:endParaRPr lang="ko-KR" altLang="en-US"/>
           </a:p>
@@ -863,7 +884,7 @@
           <a:p>
             <a:fld id="{0E1CBFC1-E5DE-46B6-AEA5-4B39643D9F71}" type="datetimeFigureOut">
               <a:rPr lang="ko-KR" altLang="en-US" smtClean="0"/>
-              <a:t>2020-03-16</a:t>
+              <a:t>2020-07-29</a:t>
             </a:fld>
             <a:endParaRPr lang="ko-KR" altLang="en-US"/>
           </a:p>
@@ -1138,7 +1159,7 @@
           <a:p>
             <a:fld id="{0E1CBFC1-E5DE-46B6-AEA5-4B39643D9F71}" type="datetimeFigureOut">
               <a:rPr lang="ko-KR" altLang="en-US" smtClean="0"/>
-              <a:t>2020-03-16</a:t>
+              <a:t>2020-07-29</a:t>
             </a:fld>
             <a:endParaRPr lang="ko-KR" altLang="en-US"/>
           </a:p>
@@ -1403,7 +1424,7 @@
           <a:p>
             <a:fld id="{0E1CBFC1-E5DE-46B6-AEA5-4B39643D9F71}" type="datetimeFigureOut">
               <a:rPr lang="ko-KR" altLang="en-US" smtClean="0"/>
-              <a:t>2020-03-16</a:t>
+              <a:t>2020-07-29</a:t>
             </a:fld>
             <a:endParaRPr lang="ko-KR" altLang="en-US"/>
           </a:p>
@@ -1815,7 +1836,7 @@
           <a:p>
             <a:fld id="{0E1CBFC1-E5DE-46B6-AEA5-4B39643D9F71}" type="datetimeFigureOut">
               <a:rPr lang="ko-KR" altLang="en-US" smtClean="0"/>
-              <a:t>2020-03-16</a:t>
+              <a:t>2020-07-29</a:t>
             </a:fld>
             <a:endParaRPr lang="ko-KR" altLang="en-US"/>
           </a:p>
@@ -1956,7 +1977,7 @@
           <a:p>
             <a:fld id="{0E1CBFC1-E5DE-46B6-AEA5-4B39643D9F71}" type="datetimeFigureOut">
               <a:rPr lang="ko-KR" altLang="en-US" smtClean="0"/>
-              <a:t>2020-03-16</a:t>
+              <a:t>2020-07-29</a:t>
             </a:fld>
             <a:endParaRPr lang="ko-KR" altLang="en-US"/>
           </a:p>
@@ -2069,7 +2090,7 @@
           <a:p>
             <a:fld id="{0E1CBFC1-E5DE-46B6-AEA5-4B39643D9F71}" type="datetimeFigureOut">
               <a:rPr lang="ko-KR" altLang="en-US" smtClean="0"/>
-              <a:t>2020-03-16</a:t>
+              <a:t>2020-07-29</a:t>
             </a:fld>
             <a:endParaRPr lang="ko-KR" altLang="en-US"/>
           </a:p>
@@ -2380,7 +2401,7 @@
           <a:p>
             <a:fld id="{0E1CBFC1-E5DE-46B6-AEA5-4B39643D9F71}" type="datetimeFigureOut">
               <a:rPr lang="ko-KR" altLang="en-US" smtClean="0"/>
-              <a:t>2020-03-16</a:t>
+              <a:t>2020-07-29</a:t>
             </a:fld>
             <a:endParaRPr lang="ko-KR" altLang="en-US"/>
           </a:p>
@@ -2668,7 +2689,7 @@
           <a:p>
             <a:fld id="{0E1CBFC1-E5DE-46B6-AEA5-4B39643D9F71}" type="datetimeFigureOut">
               <a:rPr lang="ko-KR" altLang="en-US" smtClean="0"/>
-              <a:t>2020-03-16</a:t>
+              <a:t>2020-07-29</a:t>
             </a:fld>
             <a:endParaRPr lang="ko-KR" altLang="en-US"/>
           </a:p>
@@ -2909,7 +2930,7 @@
           <a:p>
             <a:fld id="{0E1CBFC1-E5DE-46B6-AEA5-4B39643D9F71}" type="datetimeFigureOut">
               <a:rPr lang="ko-KR" altLang="en-US" smtClean="0"/>
-              <a:t>2020-03-16</a:t>
+              <a:t>2020-07-29</a:t>
             </a:fld>
             <a:endParaRPr lang="ko-KR" altLang="en-US"/>
           </a:p>
@@ -3340,7 +3361,7 @@
         </p:nvGrpSpPr>
         <p:grpSpPr>
           <a:xfrm>
-            <a:off x="4832350" y="371365"/>
+            <a:off x="3807555" y="849121"/>
             <a:ext cx="4576890" cy="5159758"/>
             <a:chOff x="1758950" y="180865"/>
             <a:chExt cx="4576890" cy="5159758"/>
@@ -3422,6 +3443,546 @@
     <p:extLst>
       <p:ext uri="{BB962C8B-B14F-4D97-AF65-F5344CB8AC3E}">
         <p14:creationId xmlns:p14="http://schemas.microsoft.com/office/powerpoint/2010/main" val="550800700"/>
+      </p:ext>
+    </p:extLst>
+  </p:cSld>
+  <p:clrMapOvr>
+    <a:masterClrMapping/>
+  </p:clrMapOvr>
+</p:sld>
+</file>
+
+<file path=ppt/slides/slide2.xml><?xml version="1.0" encoding="utf-8"?>
+<p:sld xmlns:a="http://schemas.openxmlformats.org/drawingml/2006/main" xmlns:r="http://schemas.openxmlformats.org/officeDocument/2006/relationships" xmlns:p="http://schemas.openxmlformats.org/presentationml/2006/main">
+  <p:cSld>
+    <p:spTree>
+      <p:nvGrpSpPr>
+        <p:cNvPr id="1" name=""/>
+        <p:cNvGrpSpPr/>
+        <p:nvPr/>
+      </p:nvGrpSpPr>
+      <p:grpSpPr>
+        <a:xfrm>
+          <a:off x="0" y="0"/>
+          <a:ext cx="0" cy="0"/>
+          <a:chOff x="0" y="0"/>
+          <a:chExt cx="0" cy="0"/>
+        </a:xfrm>
+      </p:grpSpPr>
+      <p:grpSp>
+        <p:nvGrpSpPr>
+          <p:cNvPr id="8" name="그룹 7">
+            <a:extLst>
+              <a:ext uri="{FF2B5EF4-FFF2-40B4-BE49-F238E27FC236}">
+                <a16:creationId xmlns:a16="http://schemas.microsoft.com/office/drawing/2014/main" id="{EF4E5FF9-8BC3-4F22-8F97-51F06812F0DB}"/>
+              </a:ext>
+            </a:extLst>
+          </p:cNvPr>
+          <p:cNvGrpSpPr/>
+          <p:nvPr/>
+        </p:nvGrpSpPr>
+        <p:grpSpPr>
+          <a:xfrm>
+            <a:off x="2685351" y="1518029"/>
+            <a:ext cx="6821297" cy="3821942"/>
+            <a:chOff x="2314315" y="1079590"/>
+            <a:chExt cx="6821297" cy="3821942"/>
+          </a:xfrm>
+        </p:grpSpPr>
+        <p:grpSp>
+          <p:nvGrpSpPr>
+            <p:cNvPr id="4" name="그룹 3">
+              <a:extLst>
+                <a:ext uri="{FF2B5EF4-FFF2-40B4-BE49-F238E27FC236}">
+                  <a16:creationId xmlns:a16="http://schemas.microsoft.com/office/drawing/2014/main" id="{9923EC89-CEFF-45AF-A96E-93AAA1962400}"/>
+                </a:ext>
+              </a:extLst>
+            </p:cNvPr>
+            <p:cNvGrpSpPr/>
+            <p:nvPr/>
+          </p:nvGrpSpPr>
+          <p:grpSpPr>
+            <a:xfrm>
+              <a:off x="2314315" y="1079590"/>
+              <a:ext cx="3390199" cy="3821942"/>
+              <a:chOff x="1758950" y="180865"/>
+              <a:chExt cx="4576890" cy="5159758"/>
+            </a:xfrm>
+          </p:grpSpPr>
+          <p:pic>
+            <p:nvPicPr>
+              <p:cNvPr id="5" name="그림 4">
+                <a:extLst>
+                  <a:ext uri="{FF2B5EF4-FFF2-40B4-BE49-F238E27FC236}">
+                    <a16:creationId xmlns:a16="http://schemas.microsoft.com/office/drawing/2014/main" id="{DC32DBB9-B653-460B-9283-E0B867C6BEA8}"/>
+                  </a:ext>
+                </a:extLst>
+              </p:cNvPr>
+              <p:cNvPicPr>
+                <a:picLocks noChangeAspect="1"/>
+              </p:cNvPicPr>
+              <p:nvPr/>
+            </p:nvPicPr>
+            <p:blipFill rotWithShape="1">
+              <a:blip r:embed="rId2">
+                <a:extLst>
+                  <a:ext uri="{28A0092B-C50C-407E-A947-70E740481C1C}">
+                    <a14:useLocalDpi xmlns:a14="http://schemas.microsoft.com/office/drawing/2010/main" val="0"/>
+                  </a:ext>
+                </a:extLst>
+              </a:blip>
+              <a:srcRect l="6138"/>
+              <a:stretch/>
+            </p:blipFill>
+            <p:spPr>
+              <a:xfrm>
+                <a:off x="1758950" y="464433"/>
+                <a:ext cx="4576890" cy="4876190"/>
+              </a:xfrm>
+              <a:prstGeom prst="rect">
+                <a:avLst/>
+              </a:prstGeom>
+            </p:spPr>
+          </p:pic>
+          <p:pic>
+            <p:nvPicPr>
+              <p:cNvPr id="6" name="그림 5">
+                <a:extLst>
+                  <a:ext uri="{FF2B5EF4-FFF2-40B4-BE49-F238E27FC236}">
+                    <a16:creationId xmlns:a16="http://schemas.microsoft.com/office/drawing/2014/main" id="{8B70B588-B9B2-4BCF-90FE-76BC316BCB33}"/>
+                  </a:ext>
+                </a:extLst>
+              </p:cNvPr>
+              <p:cNvPicPr>
+                <a:picLocks noChangeAspect="1"/>
+              </p:cNvPicPr>
+              <p:nvPr/>
+            </p:nvPicPr>
+            <p:blipFill>
+              <a:blip r:embed="rId3">
+                <a:extLst>
+                  <a:ext uri="{28A0092B-C50C-407E-A947-70E740481C1C}">
+                    <a14:useLocalDpi xmlns:a14="http://schemas.microsoft.com/office/drawing/2010/main" val="0"/>
+                  </a:ext>
+                </a:extLst>
+              </a:blip>
+              <a:stretch>
+                <a:fillRect/>
+              </a:stretch>
+            </p:blipFill>
+            <p:spPr>
+              <a:xfrm rot="735948">
+                <a:off x="3493136" y="180865"/>
+                <a:ext cx="1220771" cy="1220771"/>
+              </a:xfrm>
+              <a:prstGeom prst="rect">
+                <a:avLst/>
+              </a:prstGeom>
+            </p:spPr>
+          </p:pic>
+        </p:grpSp>
+        <p:sp>
+          <p:nvSpPr>
+            <p:cNvPr id="7" name="TextBox 6">
+              <a:extLst>
+                <a:ext uri="{FF2B5EF4-FFF2-40B4-BE49-F238E27FC236}">
+                  <a16:creationId xmlns:a16="http://schemas.microsoft.com/office/drawing/2014/main" id="{A220416F-4648-4F63-B1CB-E757DA1DD0A7}"/>
+                </a:ext>
+              </a:extLst>
+            </p:cNvPr>
+            <p:cNvSpPr txBox="1"/>
+            <p:nvPr/>
+          </p:nvSpPr>
+          <p:spPr>
+            <a:xfrm>
+              <a:off x="5419288" y="2126087"/>
+              <a:ext cx="3716324" cy="1938992"/>
+            </a:xfrm>
+            <a:prstGeom prst="rect">
+              <a:avLst/>
+            </a:prstGeom>
+            <a:noFill/>
+          </p:spPr>
+          <p:txBody>
+            <a:bodyPr wrap="square" rtlCol="0">
+              <a:spAutoFit/>
+            </a:bodyPr>
+            <a:lstStyle/>
+            <a:p>
+              <a:r>
+                <a:rPr lang="en-US" altLang="ko-KR" sz="6000" b="1" dirty="0">
+                  <a:solidFill>
+                    <a:srgbClr val="0070C0"/>
+                  </a:solidFill>
+                </a:rPr>
+                <a:t>Blueberry</a:t>
+              </a:r>
+            </a:p>
+            <a:p>
+              <a:r>
+                <a:rPr lang="en-US" altLang="ko-KR" sz="6000" b="1" dirty="0">
+                  <a:solidFill>
+                    <a:srgbClr val="0070C0"/>
+                  </a:solidFill>
+                </a:rPr>
+                <a:t>Sherbet</a:t>
+              </a:r>
+              <a:endParaRPr lang="ko-KR" altLang="en-US" sz="6000" b="1" dirty="0">
+                <a:solidFill>
+                  <a:srgbClr val="0070C0"/>
+                </a:solidFill>
+              </a:endParaRPr>
+            </a:p>
+          </p:txBody>
+        </p:sp>
+      </p:grpSp>
+    </p:spTree>
+    <p:extLst>
+      <p:ext uri="{BB962C8B-B14F-4D97-AF65-F5344CB8AC3E}">
+        <p14:creationId xmlns:p14="http://schemas.microsoft.com/office/powerpoint/2010/main" val="3022411516"/>
+      </p:ext>
+    </p:extLst>
+  </p:cSld>
+  <p:clrMapOvr>
+    <a:masterClrMapping/>
+  </p:clrMapOvr>
+</p:sld>
+</file>
+
+<file path=ppt/slides/slide3.xml><?xml version="1.0" encoding="utf-8"?>
+<p:sld xmlns:a="http://schemas.openxmlformats.org/drawingml/2006/main" xmlns:r="http://schemas.openxmlformats.org/officeDocument/2006/relationships" xmlns:p="http://schemas.openxmlformats.org/presentationml/2006/main">
+  <p:cSld>
+    <p:spTree>
+      <p:nvGrpSpPr>
+        <p:cNvPr id="1" name=""/>
+        <p:cNvGrpSpPr/>
+        <p:nvPr/>
+      </p:nvGrpSpPr>
+      <p:grpSpPr>
+        <a:xfrm>
+          <a:off x="0" y="0"/>
+          <a:ext cx="0" cy="0"/>
+          <a:chOff x="0" y="0"/>
+          <a:chExt cx="0" cy="0"/>
+        </a:xfrm>
+      </p:grpSpPr>
+      <p:sp>
+        <p:nvSpPr>
+          <p:cNvPr id="9" name="직사각형 8">
+            <a:extLst>
+              <a:ext uri="{FF2B5EF4-FFF2-40B4-BE49-F238E27FC236}">
+                <a16:creationId xmlns:a16="http://schemas.microsoft.com/office/drawing/2014/main" id="{3508F68F-B7D9-413C-A273-EC2A5B853464}"/>
+              </a:ext>
+            </a:extLst>
+          </p:cNvPr>
+          <p:cNvSpPr/>
+          <p:nvPr/>
+        </p:nvSpPr>
+        <p:spPr>
+          <a:xfrm>
+            <a:off x="1565275" y="1128689"/>
+            <a:ext cx="9201600" cy="4600621"/>
+          </a:xfrm>
+          <a:prstGeom prst="rect">
+            <a:avLst/>
+          </a:prstGeom>
+          <a:blipFill>
+            <a:blip r:embed="rId2"/>
+            <a:tile tx="0" ty="0" sx="100000" sy="100000" flip="none" algn="tl"/>
+          </a:blipFill>
+          <a:ln w="3175">
+            <a:noFill/>
+            <a:extLst>
+              <a:ext uri="{C807C97D-BFC1-408E-A445-0C87EB9F89A2}">
+                <ask:lineSketchStyleProps xmlns:ask="http://schemas.microsoft.com/office/drawing/2018/sketchyshapes">
+                  <ask:type>
+                    <ask:lineSketchNone/>
+                  </ask:type>
+                </ask:lineSketchStyleProps>
+              </a:ext>
+            </a:extLst>
+          </a:ln>
+        </p:spPr>
+        <p:style>
+          <a:lnRef idx="2">
+            <a:schemeClr val="accent1">
+              <a:shade val="50000"/>
+            </a:schemeClr>
+          </a:lnRef>
+          <a:fillRef idx="1">
+            <a:schemeClr val="accent1"/>
+          </a:fillRef>
+          <a:effectRef idx="0">
+            <a:schemeClr val="accent1"/>
+          </a:effectRef>
+          <a:fontRef idx="minor">
+            <a:schemeClr val="lt1"/>
+          </a:fontRef>
+        </p:style>
+        <p:txBody>
+          <a:bodyPr rtlCol="0" anchor="ctr"/>
+          <a:lstStyle/>
+          <a:p>
+            <a:pPr algn="ctr"/>
+            <a:endParaRPr lang="ko-KR" altLang="en-US"/>
+          </a:p>
+        </p:txBody>
+      </p:sp>
+      <p:sp>
+        <p:nvSpPr>
+          <p:cNvPr id="18" name="TextBox 17">
+            <a:extLst>
+              <a:ext uri="{FF2B5EF4-FFF2-40B4-BE49-F238E27FC236}">
+                <a16:creationId xmlns:a16="http://schemas.microsoft.com/office/drawing/2014/main" id="{31898FB9-A727-418D-8962-0D0A68982D29}"/>
+              </a:ext>
+            </a:extLst>
+          </p:cNvPr>
+          <p:cNvSpPr txBox="1"/>
+          <p:nvPr/>
+        </p:nvSpPr>
+        <p:spPr>
+          <a:xfrm>
+            <a:off x="2736898" y="3167389"/>
+            <a:ext cx="6858354" cy="584775"/>
+          </a:xfrm>
+          <a:prstGeom prst="rect">
+            <a:avLst/>
+          </a:prstGeom>
+          <a:noFill/>
+        </p:spPr>
+        <p:txBody>
+          <a:bodyPr wrap="square" rtlCol="0">
+            <a:spAutoFit/>
+          </a:bodyPr>
+          <a:lstStyle/>
+          <a:p>
+            <a:pPr algn="ctr"/>
+            <a:r>
+              <a:rPr lang="en-US" altLang="ko-KR" sz="3200" dirty="0">
+                <a:latin typeface="Arial Black" panose="020B0A04020102020204" pitchFamily="34" charset="0"/>
+              </a:rPr>
+              <a:t>BLE Master Device Module</a:t>
+            </a:r>
+            <a:endParaRPr lang="ko-KR" altLang="en-US" sz="3200" dirty="0">
+              <a:latin typeface="Arial Black" panose="020B0A04020102020204" pitchFamily="34" charset="0"/>
+            </a:endParaRPr>
+          </a:p>
+        </p:txBody>
+      </p:sp>
+      <p:sp>
+        <p:nvSpPr>
+          <p:cNvPr id="20" name="TextBox 19">
+            <a:extLst>
+              <a:ext uri="{FF2B5EF4-FFF2-40B4-BE49-F238E27FC236}">
+                <a16:creationId xmlns:a16="http://schemas.microsoft.com/office/drawing/2014/main" id="{3149E019-CBA5-4812-8B1E-9E6BD73171B4}"/>
+              </a:ext>
+            </a:extLst>
+          </p:cNvPr>
+          <p:cNvSpPr txBox="1"/>
+          <p:nvPr/>
+        </p:nvSpPr>
+        <p:spPr>
+          <a:xfrm>
+            <a:off x="5680896" y="4270358"/>
+            <a:ext cx="4279227" cy="923330"/>
+          </a:xfrm>
+          <a:prstGeom prst="rect">
+            <a:avLst/>
+          </a:prstGeom>
+          <a:noFill/>
+        </p:spPr>
+        <p:txBody>
+          <a:bodyPr wrap="square" rtlCol="0">
+            <a:spAutoFit/>
+          </a:bodyPr>
+          <a:lstStyle/>
+          <a:p>
+            <a:r>
+              <a:rPr lang="en-US" altLang="ko-KR" dirty="0">
+                <a:latin typeface="Arial Black" panose="020B0A04020102020204" pitchFamily="34" charset="0"/>
+              </a:rPr>
+              <a:t>Designed and Run by Android</a:t>
+            </a:r>
+          </a:p>
+          <a:p>
+            <a:r>
+              <a:rPr lang="en-US" altLang="ko-KR" dirty="0">
+                <a:latin typeface="Arial Black" panose="020B0A04020102020204" pitchFamily="34" charset="0"/>
+              </a:rPr>
+              <a:t>Email : ayteneve93@gmail.com</a:t>
+            </a:r>
+          </a:p>
+          <a:p>
+            <a:r>
+              <a:rPr lang="en-US" altLang="ko-KR" dirty="0">
+                <a:latin typeface="Arial Black" panose="020B0A04020102020204" pitchFamily="34" charset="0"/>
+              </a:rPr>
+              <a:t>Mobile : +82)10-3224-9504</a:t>
+            </a:r>
+            <a:endParaRPr lang="ko-KR" altLang="en-US" dirty="0">
+              <a:latin typeface="Arial Black" panose="020B0A04020102020204" pitchFamily="34" charset="0"/>
+            </a:endParaRPr>
+          </a:p>
+        </p:txBody>
+      </p:sp>
+      <p:grpSp>
+        <p:nvGrpSpPr>
+          <p:cNvPr id="4" name="그룹 3">
+            <a:extLst>
+              <a:ext uri="{FF2B5EF4-FFF2-40B4-BE49-F238E27FC236}">
+                <a16:creationId xmlns:a16="http://schemas.microsoft.com/office/drawing/2014/main" id="{1B65D727-8A35-41CD-8DD7-9EF96C62A12E}"/>
+              </a:ext>
+            </a:extLst>
+          </p:cNvPr>
+          <p:cNvGrpSpPr/>
+          <p:nvPr/>
+        </p:nvGrpSpPr>
+        <p:grpSpPr>
+          <a:xfrm>
+            <a:off x="2292647" y="1575038"/>
+            <a:ext cx="7746856" cy="1221002"/>
+            <a:chOff x="2527592" y="1575038"/>
+            <a:chExt cx="7746856" cy="1221002"/>
+          </a:xfrm>
+        </p:grpSpPr>
+        <p:sp>
+          <p:nvSpPr>
+            <p:cNvPr id="13" name="TextBox 12">
+              <a:extLst>
+                <a:ext uri="{FF2B5EF4-FFF2-40B4-BE49-F238E27FC236}">
+                  <a16:creationId xmlns:a16="http://schemas.microsoft.com/office/drawing/2014/main" id="{B1EFDFAD-FC4B-440F-B278-A9DCFDDBDC26}"/>
+                </a:ext>
+              </a:extLst>
+            </p:cNvPr>
+            <p:cNvSpPr txBox="1"/>
+            <p:nvPr/>
+          </p:nvSpPr>
+          <p:spPr>
+            <a:xfrm>
+              <a:off x="3374284" y="1872710"/>
+              <a:ext cx="6900164" cy="923330"/>
+            </a:xfrm>
+            <a:prstGeom prst="rect">
+              <a:avLst/>
+            </a:prstGeom>
+            <a:noFill/>
+          </p:spPr>
+          <p:txBody>
+            <a:bodyPr wrap="square" rtlCol="0">
+              <a:spAutoFit/>
+            </a:bodyPr>
+            <a:lstStyle/>
+            <a:p>
+              <a:pPr algn="ctr"/>
+              <a:r>
+                <a:rPr lang="en-US" altLang="ko-KR" sz="5400" b="1" dirty="0" err="1">
+                  <a:latin typeface="Arial Black" panose="020B0A04020102020204" pitchFamily="34" charset="0"/>
+                </a:rPr>
+                <a:t>BlueberrySherbet</a:t>
+              </a:r>
+              <a:endParaRPr lang="ko-KR" altLang="en-US" sz="6600" b="1" dirty="0">
+                <a:latin typeface="Arial Black" panose="020B0A04020102020204" pitchFamily="34" charset="0"/>
+              </a:endParaRPr>
+            </a:p>
+          </p:txBody>
+        </p:sp>
+        <p:grpSp>
+          <p:nvGrpSpPr>
+            <p:cNvPr id="14" name="그룹 13">
+              <a:extLst>
+                <a:ext uri="{FF2B5EF4-FFF2-40B4-BE49-F238E27FC236}">
+                  <a16:creationId xmlns:a16="http://schemas.microsoft.com/office/drawing/2014/main" id="{454C06DA-E039-4222-AB93-024076BCDD01}"/>
+                </a:ext>
+              </a:extLst>
+            </p:cNvPr>
+            <p:cNvGrpSpPr/>
+            <p:nvPr/>
+          </p:nvGrpSpPr>
+          <p:grpSpPr>
+            <a:xfrm>
+              <a:off x="2527592" y="1575038"/>
+              <a:ext cx="1064734" cy="1200329"/>
+              <a:chOff x="1758950" y="180865"/>
+              <a:chExt cx="4576890" cy="5159758"/>
+            </a:xfrm>
+          </p:grpSpPr>
+          <p:pic>
+            <p:nvPicPr>
+              <p:cNvPr id="17" name="그림 16">
+                <a:extLst>
+                  <a:ext uri="{FF2B5EF4-FFF2-40B4-BE49-F238E27FC236}">
+                    <a16:creationId xmlns:a16="http://schemas.microsoft.com/office/drawing/2014/main" id="{AE5791DF-8FC4-4686-B718-B6F26BC79AF7}"/>
+                  </a:ext>
+                </a:extLst>
+              </p:cNvPr>
+              <p:cNvPicPr>
+                <a:picLocks noChangeAspect="1"/>
+              </p:cNvPicPr>
+              <p:nvPr/>
+            </p:nvPicPr>
+            <p:blipFill rotWithShape="1">
+              <a:blip r:embed="rId3">
+                <a:extLst>
+                  <a:ext uri="{28A0092B-C50C-407E-A947-70E740481C1C}">
+                    <a14:useLocalDpi xmlns:a14="http://schemas.microsoft.com/office/drawing/2010/main" val="0"/>
+                  </a:ext>
+                </a:extLst>
+              </a:blip>
+              <a:srcRect l="6138"/>
+              <a:stretch/>
+            </p:blipFill>
+            <p:spPr>
+              <a:xfrm>
+                <a:off x="1758950" y="464433"/>
+                <a:ext cx="4576890" cy="4876190"/>
+              </a:xfrm>
+              <a:prstGeom prst="rect">
+                <a:avLst/>
+              </a:prstGeom>
+            </p:spPr>
+          </p:pic>
+          <p:pic>
+            <p:nvPicPr>
+              <p:cNvPr id="19" name="그림 18">
+                <a:extLst>
+                  <a:ext uri="{FF2B5EF4-FFF2-40B4-BE49-F238E27FC236}">
+                    <a16:creationId xmlns:a16="http://schemas.microsoft.com/office/drawing/2014/main" id="{9316774C-02E6-4B1C-952C-0C83EA4B1E80}"/>
+                  </a:ext>
+                </a:extLst>
+              </p:cNvPr>
+              <p:cNvPicPr>
+                <a:picLocks noChangeAspect="1"/>
+              </p:cNvPicPr>
+              <p:nvPr/>
+            </p:nvPicPr>
+            <p:blipFill>
+              <a:blip r:embed="rId4">
+                <a:extLst>
+                  <a:ext uri="{28A0092B-C50C-407E-A947-70E740481C1C}">
+                    <a14:useLocalDpi xmlns:a14="http://schemas.microsoft.com/office/drawing/2010/main" val="0"/>
+                  </a:ext>
+                </a:extLst>
+              </a:blip>
+              <a:stretch>
+                <a:fillRect/>
+              </a:stretch>
+            </p:blipFill>
+            <p:spPr>
+              <a:xfrm rot="735948">
+                <a:off x="3493136" y="180865"/>
+                <a:ext cx="1220771" cy="1220771"/>
+              </a:xfrm>
+              <a:prstGeom prst="rect">
+                <a:avLst/>
+              </a:prstGeom>
+            </p:spPr>
+          </p:pic>
+        </p:grpSp>
+      </p:grpSp>
+    </p:spTree>
+    <p:extLst>
+      <p:ext uri="{BB962C8B-B14F-4D97-AF65-F5344CB8AC3E}">
+        <p14:creationId xmlns:p14="http://schemas.microsoft.com/office/powerpoint/2010/main" val="3338151136"/>
       </p:ext>
     </p:extLst>
   </p:cSld>

--- a/ReadMeRes/imageFactory.pptx
+++ b/ReadMeRes/imageFactory.pptx
@@ -280,7 +280,7 @@
           <a:p>
             <a:fld id="{0E1CBFC1-E5DE-46B6-AEA5-4B39643D9F71}" type="datetimeFigureOut">
               <a:rPr lang="ko-KR" altLang="en-US" smtClean="0"/>
-              <a:t>2020-07-29</a:t>
+              <a:t>2020-08-05</a:t>
             </a:fld>
             <a:endParaRPr lang="ko-KR" altLang="en-US"/>
           </a:p>
@@ -478,7 +478,7 @@
           <a:p>
             <a:fld id="{0E1CBFC1-E5DE-46B6-AEA5-4B39643D9F71}" type="datetimeFigureOut">
               <a:rPr lang="ko-KR" altLang="en-US" smtClean="0"/>
-              <a:t>2020-07-29</a:t>
+              <a:t>2020-08-05</a:t>
             </a:fld>
             <a:endParaRPr lang="ko-KR" altLang="en-US"/>
           </a:p>
@@ -686,7 +686,7 @@
           <a:p>
             <a:fld id="{0E1CBFC1-E5DE-46B6-AEA5-4B39643D9F71}" type="datetimeFigureOut">
               <a:rPr lang="ko-KR" altLang="en-US" smtClean="0"/>
-              <a:t>2020-07-29</a:t>
+              <a:t>2020-08-05</a:t>
             </a:fld>
             <a:endParaRPr lang="ko-KR" altLang="en-US"/>
           </a:p>
@@ -884,7 +884,7 @@
           <a:p>
             <a:fld id="{0E1CBFC1-E5DE-46B6-AEA5-4B39643D9F71}" type="datetimeFigureOut">
               <a:rPr lang="ko-KR" altLang="en-US" smtClean="0"/>
-              <a:t>2020-07-29</a:t>
+              <a:t>2020-08-05</a:t>
             </a:fld>
             <a:endParaRPr lang="ko-KR" altLang="en-US"/>
           </a:p>
@@ -1159,7 +1159,7 @@
           <a:p>
             <a:fld id="{0E1CBFC1-E5DE-46B6-AEA5-4B39643D9F71}" type="datetimeFigureOut">
               <a:rPr lang="ko-KR" altLang="en-US" smtClean="0"/>
-              <a:t>2020-07-29</a:t>
+              <a:t>2020-08-05</a:t>
             </a:fld>
             <a:endParaRPr lang="ko-KR" altLang="en-US"/>
           </a:p>
@@ -1424,7 +1424,7 @@
           <a:p>
             <a:fld id="{0E1CBFC1-E5DE-46B6-AEA5-4B39643D9F71}" type="datetimeFigureOut">
               <a:rPr lang="ko-KR" altLang="en-US" smtClean="0"/>
-              <a:t>2020-07-29</a:t>
+              <a:t>2020-08-05</a:t>
             </a:fld>
             <a:endParaRPr lang="ko-KR" altLang="en-US"/>
           </a:p>
@@ -1836,7 +1836,7 @@
           <a:p>
             <a:fld id="{0E1CBFC1-E5DE-46B6-AEA5-4B39643D9F71}" type="datetimeFigureOut">
               <a:rPr lang="ko-KR" altLang="en-US" smtClean="0"/>
-              <a:t>2020-07-29</a:t>
+              <a:t>2020-08-05</a:t>
             </a:fld>
             <a:endParaRPr lang="ko-KR" altLang="en-US"/>
           </a:p>
@@ -1977,7 +1977,7 @@
           <a:p>
             <a:fld id="{0E1CBFC1-E5DE-46B6-AEA5-4B39643D9F71}" type="datetimeFigureOut">
               <a:rPr lang="ko-KR" altLang="en-US" smtClean="0"/>
-              <a:t>2020-07-29</a:t>
+              <a:t>2020-08-05</a:t>
             </a:fld>
             <a:endParaRPr lang="ko-KR" altLang="en-US"/>
           </a:p>
@@ -2090,7 +2090,7 @@
           <a:p>
             <a:fld id="{0E1CBFC1-E5DE-46B6-AEA5-4B39643D9F71}" type="datetimeFigureOut">
               <a:rPr lang="ko-KR" altLang="en-US" smtClean="0"/>
-              <a:t>2020-07-29</a:t>
+              <a:t>2020-08-05</a:t>
             </a:fld>
             <a:endParaRPr lang="ko-KR" altLang="en-US"/>
           </a:p>
@@ -2401,7 +2401,7 @@
           <a:p>
             <a:fld id="{0E1CBFC1-E5DE-46B6-AEA5-4B39643D9F71}" type="datetimeFigureOut">
               <a:rPr lang="ko-KR" altLang="en-US" smtClean="0"/>
-              <a:t>2020-07-29</a:t>
+              <a:t>2020-08-05</a:t>
             </a:fld>
             <a:endParaRPr lang="ko-KR" altLang="en-US"/>
           </a:p>
@@ -2689,7 +2689,7 @@
           <a:p>
             <a:fld id="{0E1CBFC1-E5DE-46B6-AEA5-4B39643D9F71}" type="datetimeFigureOut">
               <a:rPr lang="ko-KR" altLang="en-US" smtClean="0"/>
-              <a:t>2020-07-29</a:t>
+              <a:t>2020-08-05</a:t>
             </a:fld>
             <a:endParaRPr lang="ko-KR" altLang="en-US"/>
           </a:p>
@@ -2930,7 +2930,7 @@
           <a:p>
             <a:fld id="{0E1CBFC1-E5DE-46B6-AEA5-4B39643D9F71}" type="datetimeFigureOut">
               <a:rPr lang="ko-KR" altLang="en-US" smtClean="0"/>
-              <a:t>2020-07-29</a:t>
+              <a:t>2020-08-05</a:t>
             </a:fld>
             <a:endParaRPr lang="ko-KR" altLang="en-US"/>
           </a:p>
@@ -3686,10 +3686,9 @@
           <a:prstGeom prst="rect">
             <a:avLst/>
           </a:prstGeom>
-          <a:blipFill>
-            <a:blip r:embed="rId2"/>
-            <a:tile tx="0" ty="0" sx="100000" sy="100000" flip="none" algn="tl"/>
-          </a:blipFill>
+          <a:solidFill>
+            <a:srgbClr val="CCCCFF"/>
+          </a:solidFill>
           <a:ln w="3175">
             <a:noFill/>
             <a:extLst>
@@ -3724,7 +3723,10 @@
           <a:lstStyle/>
           <a:p>
             <a:pPr algn="ctr"/>
-            <a:endParaRPr lang="ko-KR" altLang="en-US"/>
+            <a:endParaRPr lang="ko-KR" altLang="en-US" sz="3200">
+              <a:latin typeface="나눔손글씨 펜" panose="03040600000000000000" pitchFamily="66" charset="-127"/>
+              <a:ea typeface="나눔손글씨 펜" panose="03040600000000000000" pitchFamily="66" charset="-127"/>
+            </a:endParaRPr>
           </a:p>
         </p:txBody>
       </p:sp>
@@ -3743,7 +3745,7 @@
         <p:spPr>
           <a:xfrm>
             <a:off x="2736898" y="3167389"/>
-            <a:ext cx="6858354" cy="584775"/>
+            <a:ext cx="6858354" cy="830997"/>
           </a:xfrm>
           <a:prstGeom prst="rect">
             <a:avLst/>
@@ -3758,13 +3760,15 @@
           <a:p>
             <a:pPr algn="ctr"/>
             <a:r>
-              <a:rPr lang="en-US" altLang="ko-KR" sz="3200" dirty="0">
-                <a:latin typeface="Arial Black" panose="020B0A04020102020204" pitchFamily="34" charset="0"/>
+              <a:rPr lang="en-US" altLang="ko-KR" sz="4800" dirty="0">
+                <a:latin typeface="나눔손글씨 펜" panose="03040600000000000000" pitchFamily="66" charset="-127"/>
+                <a:ea typeface="나눔손글씨 펜" panose="03040600000000000000" pitchFamily="66" charset="-127"/>
               </a:rPr>
               <a:t>BLE Master Device Module</a:t>
             </a:r>
-            <a:endParaRPr lang="ko-KR" altLang="en-US" sz="3200" dirty="0">
-              <a:latin typeface="Arial Black" panose="020B0A04020102020204" pitchFamily="34" charset="0"/>
+            <a:endParaRPr lang="ko-KR" altLang="en-US" sz="4800" dirty="0">
+              <a:latin typeface="나눔손글씨 펜" panose="03040600000000000000" pitchFamily="66" charset="-127"/>
+              <a:ea typeface="나눔손글씨 펜" panose="03040600000000000000" pitchFamily="66" charset="-127"/>
             </a:endParaRPr>
           </a:p>
         </p:txBody>
@@ -3783,8 +3787,8 @@
         </p:nvSpPr>
         <p:spPr>
           <a:xfrm>
-            <a:off x="5680896" y="4270358"/>
-            <a:ext cx="4279227" cy="923330"/>
+            <a:off x="5549900" y="4079018"/>
+            <a:ext cx="4410223" cy="1569660"/>
           </a:xfrm>
           <a:prstGeom prst="rect">
             <a:avLst/>
@@ -3798,39 +3802,43 @@
           <a:lstStyle/>
           <a:p>
             <a:r>
-              <a:rPr lang="en-US" altLang="ko-KR" dirty="0">
-                <a:latin typeface="Arial Black" panose="020B0A04020102020204" pitchFamily="34" charset="0"/>
+              <a:rPr lang="en-US" altLang="ko-KR" sz="3200" dirty="0">
+                <a:latin typeface="나눔손글씨 펜" panose="03040600000000000000" pitchFamily="66" charset="-127"/>
+                <a:ea typeface="나눔손글씨 펜" panose="03040600000000000000" pitchFamily="66" charset="-127"/>
               </a:rPr>
               <a:t>Designed and Run by Android</a:t>
             </a:r>
           </a:p>
           <a:p>
             <a:r>
-              <a:rPr lang="en-US" altLang="ko-KR" dirty="0">
-                <a:latin typeface="Arial Black" panose="020B0A04020102020204" pitchFamily="34" charset="0"/>
+              <a:rPr lang="en-US" altLang="ko-KR" sz="3200" dirty="0">
+                <a:latin typeface="나눔손글씨 펜" panose="03040600000000000000" pitchFamily="66" charset="-127"/>
+                <a:ea typeface="나눔손글씨 펜" panose="03040600000000000000" pitchFamily="66" charset="-127"/>
               </a:rPr>
               <a:t>Email : ayteneve93@gmail.com</a:t>
             </a:r>
           </a:p>
           <a:p>
             <a:r>
-              <a:rPr lang="en-US" altLang="ko-KR" dirty="0">
-                <a:latin typeface="Arial Black" panose="020B0A04020102020204" pitchFamily="34" charset="0"/>
+              <a:rPr lang="en-US" altLang="ko-KR" sz="3200" dirty="0">
+                <a:latin typeface="나눔손글씨 펜" panose="03040600000000000000" pitchFamily="66" charset="-127"/>
+                <a:ea typeface="나눔손글씨 펜" panose="03040600000000000000" pitchFamily="66" charset="-127"/>
               </a:rPr>
               <a:t>Mobile : +82)10-3224-9504</a:t>
             </a:r>
-            <a:endParaRPr lang="ko-KR" altLang="en-US" dirty="0">
-              <a:latin typeface="Arial Black" panose="020B0A04020102020204" pitchFamily="34" charset="0"/>
+            <a:endParaRPr lang="ko-KR" altLang="en-US" sz="3200" dirty="0">
+              <a:latin typeface="나눔손글씨 펜" panose="03040600000000000000" pitchFamily="66" charset="-127"/>
+              <a:ea typeface="나눔손글씨 펜" panose="03040600000000000000" pitchFamily="66" charset="-127"/>
             </a:endParaRPr>
           </a:p>
         </p:txBody>
       </p:sp>
       <p:grpSp>
         <p:nvGrpSpPr>
-          <p:cNvPr id="4" name="그룹 3">
-            <a:extLst>
-              <a:ext uri="{FF2B5EF4-FFF2-40B4-BE49-F238E27FC236}">
-                <a16:creationId xmlns:a16="http://schemas.microsoft.com/office/drawing/2014/main" id="{1B65D727-8A35-41CD-8DD7-9EF96C62A12E}"/>
+          <p:cNvPr id="2" name="그룹 1">
+            <a:extLst>
+              <a:ext uri="{FF2B5EF4-FFF2-40B4-BE49-F238E27FC236}">
+                <a16:creationId xmlns:a16="http://schemas.microsoft.com/office/drawing/2014/main" id="{E951FC3A-0449-429B-99E0-4483020874F8}"/>
               </a:ext>
             </a:extLst>
           </p:cNvPr>
@@ -3839,10 +3847,10 @@
         </p:nvGrpSpPr>
         <p:grpSpPr>
           <a:xfrm>
-            <a:off x="2292647" y="1575038"/>
-            <a:ext cx="7746856" cy="1221002"/>
-            <a:chOff x="2527592" y="1575038"/>
-            <a:chExt cx="7746856" cy="1221002"/>
+            <a:off x="2010477" y="1570130"/>
+            <a:ext cx="8311196" cy="1516627"/>
+            <a:chOff x="2090759" y="1501901"/>
+            <a:chExt cx="8311196" cy="1516627"/>
           </a:xfrm>
         </p:grpSpPr>
         <p:sp>
@@ -3859,8 +3867,8 @@
           </p:nvSpPr>
           <p:spPr>
             <a:xfrm>
-              <a:off x="3374284" y="1872710"/>
-              <a:ext cx="6900164" cy="923330"/>
+              <a:off x="3317138" y="1571978"/>
+              <a:ext cx="7084817" cy="1446550"/>
             </a:xfrm>
             <a:prstGeom prst="rect">
               <a:avLst/>
@@ -3875,109 +3883,55 @@
             <a:p>
               <a:pPr algn="ctr"/>
               <a:r>
-                <a:rPr lang="en-US" altLang="ko-KR" sz="5400" b="1" dirty="0" err="1">
-                  <a:latin typeface="Arial Black" panose="020B0A04020102020204" pitchFamily="34" charset="0"/>
+                <a:rPr lang="en-US" altLang="ko-KR" sz="8800" b="1" dirty="0">
+                  <a:latin typeface="나눔손글씨 펜" panose="03040600000000000000" pitchFamily="66" charset="-127"/>
+                  <a:ea typeface="나눔손글씨 펜" panose="03040600000000000000" pitchFamily="66" charset="-127"/>
                 </a:rPr>
-                <a:t>BlueberrySherbet</a:t>
+                <a:t>Blueberry Sherbet</a:t>
               </a:r>
-              <a:endParaRPr lang="ko-KR" altLang="en-US" sz="6600" b="1" dirty="0">
-                <a:latin typeface="Arial Black" panose="020B0A04020102020204" pitchFamily="34" charset="0"/>
+              <a:endParaRPr lang="ko-KR" altLang="en-US" sz="11500" b="1" dirty="0">
+                <a:latin typeface="나눔손글씨 펜" panose="03040600000000000000" pitchFamily="66" charset="-127"/>
+                <a:ea typeface="나눔손글씨 펜" panose="03040600000000000000" pitchFamily="66" charset="-127"/>
               </a:endParaRPr>
             </a:p>
           </p:txBody>
         </p:sp>
-        <p:grpSp>
-          <p:nvGrpSpPr>
-            <p:cNvPr id="14" name="그룹 13">
+        <p:pic>
+          <p:nvPicPr>
+            <p:cNvPr id="19" name="그림 18">
               <a:extLst>
                 <a:ext uri="{FF2B5EF4-FFF2-40B4-BE49-F238E27FC236}">
-                  <a16:creationId xmlns:a16="http://schemas.microsoft.com/office/drawing/2014/main" id="{454C06DA-E039-4222-AB93-024076BCDD01}"/>
+                  <a16:creationId xmlns:a16="http://schemas.microsoft.com/office/drawing/2014/main" id="{9316774C-02E6-4B1C-952C-0C83EA4B1E80}"/>
                 </a:ext>
               </a:extLst>
             </p:cNvPr>
-            <p:cNvGrpSpPr/>
+            <p:cNvPicPr>
+              <a:picLocks noChangeAspect="1"/>
+            </p:cNvPicPr>
             <p:nvPr/>
-          </p:nvGrpSpPr>
-          <p:grpSpPr>
-            <a:xfrm>
-              <a:off x="2527592" y="1575038"/>
-              <a:ext cx="1064734" cy="1200329"/>
-              <a:chOff x="1758950" y="180865"/>
-              <a:chExt cx="4576890" cy="5159758"/>
+          </p:nvPicPr>
+          <p:blipFill>
+            <a:blip r:embed="rId2">
+              <a:extLst>
+                <a:ext uri="{28A0092B-C50C-407E-A947-70E740481C1C}">
+                  <a14:useLocalDpi xmlns:a14="http://schemas.microsoft.com/office/drawing/2010/main" val="0"/>
+                </a:ext>
+              </a:extLst>
+            </a:blip>
+            <a:stretch>
+              <a:fillRect/>
+            </a:stretch>
+          </p:blipFill>
+          <p:spPr>
+            <a:xfrm rot="900000">
+              <a:off x="2090759" y="1501901"/>
+              <a:ext cx="1292277" cy="1292277"/>
             </a:xfrm>
-          </p:grpSpPr>
-          <p:pic>
-            <p:nvPicPr>
-              <p:cNvPr id="17" name="그림 16">
-                <a:extLst>
-                  <a:ext uri="{FF2B5EF4-FFF2-40B4-BE49-F238E27FC236}">
-                    <a16:creationId xmlns:a16="http://schemas.microsoft.com/office/drawing/2014/main" id="{AE5791DF-8FC4-4686-B718-B6F26BC79AF7}"/>
-                  </a:ext>
-                </a:extLst>
-              </p:cNvPr>
-              <p:cNvPicPr>
-                <a:picLocks noChangeAspect="1"/>
-              </p:cNvPicPr>
-              <p:nvPr/>
-            </p:nvPicPr>
-            <p:blipFill rotWithShape="1">
-              <a:blip r:embed="rId3">
-                <a:extLst>
-                  <a:ext uri="{28A0092B-C50C-407E-A947-70E740481C1C}">
-                    <a14:useLocalDpi xmlns:a14="http://schemas.microsoft.com/office/drawing/2010/main" val="0"/>
-                  </a:ext>
-                </a:extLst>
-              </a:blip>
-              <a:srcRect l="6138"/>
-              <a:stretch/>
-            </p:blipFill>
-            <p:spPr>
-              <a:xfrm>
-                <a:off x="1758950" y="464433"/>
-                <a:ext cx="4576890" cy="4876190"/>
-              </a:xfrm>
-              <a:prstGeom prst="rect">
-                <a:avLst/>
-              </a:prstGeom>
-            </p:spPr>
-          </p:pic>
-          <p:pic>
-            <p:nvPicPr>
-              <p:cNvPr id="19" name="그림 18">
-                <a:extLst>
-                  <a:ext uri="{FF2B5EF4-FFF2-40B4-BE49-F238E27FC236}">
-                    <a16:creationId xmlns:a16="http://schemas.microsoft.com/office/drawing/2014/main" id="{9316774C-02E6-4B1C-952C-0C83EA4B1E80}"/>
-                  </a:ext>
-                </a:extLst>
-              </p:cNvPr>
-              <p:cNvPicPr>
-                <a:picLocks noChangeAspect="1"/>
-              </p:cNvPicPr>
-              <p:nvPr/>
-            </p:nvPicPr>
-            <p:blipFill>
-              <a:blip r:embed="rId4">
-                <a:extLst>
-                  <a:ext uri="{28A0092B-C50C-407E-A947-70E740481C1C}">
-                    <a14:useLocalDpi xmlns:a14="http://schemas.microsoft.com/office/drawing/2010/main" val="0"/>
-                  </a:ext>
-                </a:extLst>
-              </a:blip>
-              <a:stretch>
-                <a:fillRect/>
-              </a:stretch>
-            </p:blipFill>
-            <p:spPr>
-              <a:xfrm rot="735948">
-                <a:off x="3493136" y="180865"/>
-                <a:ext cx="1220771" cy="1220771"/>
-              </a:xfrm>
-              <a:prstGeom prst="rect">
-                <a:avLst/>
-              </a:prstGeom>
-            </p:spPr>
-          </p:pic>
-        </p:grpSp>
+            <a:prstGeom prst="rect">
+              <a:avLst/>
+            </a:prstGeom>
+          </p:spPr>
+        </p:pic>
       </p:grpSp>
     </p:spTree>
     <p:extLst>

--- a/ReadMeRes/imageFactory.pptx
+++ b/ReadMeRes/imageFactory.pptx
@@ -3723,8 +3723,8 @@
           <a:lstStyle/>
           <a:p>
             <a:pPr algn="ctr"/>
-            <a:endParaRPr lang="ko-KR" altLang="en-US" sz="3200">
-              <a:latin typeface="나눔손글씨 펜" panose="03040600000000000000" pitchFamily="66" charset="-127"/>
+            <a:endParaRPr lang="ko-KR" altLang="en-US">
+              <a:latin typeface="+mj-lt"/>
               <a:ea typeface="나눔손글씨 펜" panose="03040600000000000000" pitchFamily="66" charset="-127"/>
             </a:endParaRPr>
           </a:p>
@@ -3745,7 +3745,7 @@
         <p:spPr>
           <a:xfrm>
             <a:off x="2736898" y="3167389"/>
-            <a:ext cx="6858354" cy="830997"/>
+            <a:ext cx="6858354" cy="646331"/>
           </a:xfrm>
           <a:prstGeom prst="rect">
             <a:avLst/>
@@ -3760,14 +3760,14 @@
           <a:p>
             <a:pPr algn="ctr"/>
             <a:r>
-              <a:rPr lang="en-US" altLang="ko-KR" sz="4800" dirty="0">
-                <a:latin typeface="나눔손글씨 펜" panose="03040600000000000000" pitchFamily="66" charset="-127"/>
+              <a:rPr lang="en-US" altLang="ko-KR" sz="3600" dirty="0">
+                <a:latin typeface="+mj-lt"/>
                 <a:ea typeface="나눔손글씨 펜" panose="03040600000000000000" pitchFamily="66" charset="-127"/>
               </a:rPr>
               <a:t>BLE Master Device Module</a:t>
             </a:r>
-            <a:endParaRPr lang="ko-KR" altLang="en-US" sz="4800" dirty="0">
-              <a:latin typeface="나눔손글씨 펜" panose="03040600000000000000" pitchFamily="66" charset="-127"/>
+            <a:endParaRPr lang="ko-KR" altLang="en-US" sz="3600" dirty="0">
+              <a:latin typeface="+mj-lt"/>
               <a:ea typeface="나눔손글씨 펜" panose="03040600000000000000" pitchFamily="66" charset="-127"/>
             </a:endParaRPr>
           </a:p>
@@ -3788,7 +3788,7 @@
         <p:spPr>
           <a:xfrm>
             <a:off x="5549900" y="4079018"/>
-            <a:ext cx="4410223" cy="1569660"/>
+            <a:ext cx="4410223" cy="1015663"/>
           </a:xfrm>
           <a:prstGeom prst="rect">
             <a:avLst/>
@@ -3802,8 +3802,8 @@
           <a:lstStyle/>
           <a:p>
             <a:r>
-              <a:rPr lang="en-US" altLang="ko-KR" sz="3200" dirty="0">
-                <a:latin typeface="나눔손글씨 펜" panose="03040600000000000000" pitchFamily="66" charset="-127"/>
+              <a:rPr lang="en-US" altLang="ko-KR" sz="2000" dirty="0">
+                <a:latin typeface="+mj-lt"/>
                 <a:ea typeface="나눔손글씨 펜" panose="03040600000000000000" pitchFamily="66" charset="-127"/>
               </a:rPr>
               <a:t>Designed and Run by Android</a:t>
@@ -3811,8 +3811,8 @@
           </a:p>
           <a:p>
             <a:r>
-              <a:rPr lang="en-US" altLang="ko-KR" sz="3200" dirty="0">
-                <a:latin typeface="나눔손글씨 펜" panose="03040600000000000000" pitchFamily="66" charset="-127"/>
+              <a:rPr lang="en-US" altLang="ko-KR" sz="2000" dirty="0">
+                <a:latin typeface="+mj-lt"/>
                 <a:ea typeface="나눔손글씨 펜" panose="03040600000000000000" pitchFamily="66" charset="-127"/>
               </a:rPr>
               <a:t>Email : ayteneve93@gmail.com</a:t>
@@ -3820,14 +3820,14 @@
           </a:p>
           <a:p>
             <a:r>
-              <a:rPr lang="en-US" altLang="ko-KR" sz="3200" dirty="0">
-                <a:latin typeface="나눔손글씨 펜" panose="03040600000000000000" pitchFamily="66" charset="-127"/>
+              <a:rPr lang="en-US" altLang="ko-KR" sz="2000" dirty="0">
+                <a:latin typeface="+mj-lt"/>
                 <a:ea typeface="나눔손글씨 펜" panose="03040600000000000000" pitchFamily="66" charset="-127"/>
               </a:rPr>
               <a:t>Mobile : +82)10-3224-9504</a:t>
             </a:r>
-            <a:endParaRPr lang="ko-KR" altLang="en-US" sz="3200" dirty="0">
-              <a:latin typeface="나눔손글씨 펜" panose="03040600000000000000" pitchFamily="66" charset="-127"/>
+            <a:endParaRPr lang="ko-KR" altLang="en-US" sz="2000" dirty="0">
+              <a:latin typeface="+mj-lt"/>
               <a:ea typeface="나눔손글씨 펜" panose="03040600000000000000" pitchFamily="66" charset="-127"/>
             </a:endParaRPr>
           </a:p>
@@ -3848,9 +3848,9 @@
         <p:grpSpPr>
           <a:xfrm>
             <a:off x="2010477" y="1570130"/>
-            <a:ext cx="8311196" cy="1516627"/>
+            <a:ext cx="8311196" cy="1292277"/>
             <a:chOff x="2090759" y="1501901"/>
-            <a:chExt cx="8311196" cy="1516627"/>
+            <a:chExt cx="8311196" cy="1292277"/>
           </a:xfrm>
         </p:grpSpPr>
         <p:sp>
@@ -3868,7 +3868,7 @@
           <p:spPr>
             <a:xfrm>
               <a:off x="3317138" y="1571978"/>
-              <a:ext cx="7084817" cy="1446550"/>
+              <a:ext cx="7084817" cy="1015663"/>
             </a:xfrm>
             <a:prstGeom prst="rect">
               <a:avLst/>
@@ -3883,14 +3883,14 @@
             <a:p>
               <a:pPr algn="ctr"/>
               <a:r>
-                <a:rPr lang="en-US" altLang="ko-KR" sz="8800" b="1" dirty="0">
-                  <a:latin typeface="나눔손글씨 펜" panose="03040600000000000000" pitchFamily="66" charset="-127"/>
+                <a:rPr lang="en-US" altLang="ko-KR" sz="6000" b="1" dirty="0">
+                  <a:latin typeface="+mj-lt"/>
                   <a:ea typeface="나눔손글씨 펜" panose="03040600000000000000" pitchFamily="66" charset="-127"/>
                 </a:rPr>
                 <a:t>Blueberry Sherbet</a:t>
               </a:r>
-              <a:endParaRPr lang="ko-KR" altLang="en-US" sz="11500" b="1" dirty="0">
-                <a:latin typeface="나눔손글씨 펜" panose="03040600000000000000" pitchFamily="66" charset="-127"/>
+              <a:endParaRPr lang="ko-KR" altLang="en-US" sz="7200" b="1" dirty="0">
+                <a:latin typeface="+mj-lt"/>
                 <a:ea typeface="나눔손글씨 펜" panose="03040600000000000000" pitchFamily="66" charset="-127"/>
               </a:endParaRPr>
             </a:p>

--- a/ReadMeRes/imageFactory.pptx
+++ b/ReadMeRes/imageFactory.pptx
@@ -280,7 +280,7 @@
           <a:p>
             <a:fld id="{0E1CBFC1-E5DE-46B6-AEA5-4B39643D9F71}" type="datetimeFigureOut">
               <a:rPr lang="ko-KR" altLang="en-US" smtClean="0"/>
-              <a:t>2020-08-05</a:t>
+              <a:t>2020-08-06</a:t>
             </a:fld>
             <a:endParaRPr lang="ko-KR" altLang="en-US"/>
           </a:p>
@@ -478,7 +478,7 @@
           <a:p>
             <a:fld id="{0E1CBFC1-E5DE-46B6-AEA5-4B39643D9F71}" type="datetimeFigureOut">
               <a:rPr lang="ko-KR" altLang="en-US" smtClean="0"/>
-              <a:t>2020-08-05</a:t>
+              <a:t>2020-08-06</a:t>
             </a:fld>
             <a:endParaRPr lang="ko-KR" altLang="en-US"/>
           </a:p>
@@ -686,7 +686,7 @@
           <a:p>
             <a:fld id="{0E1CBFC1-E5DE-46B6-AEA5-4B39643D9F71}" type="datetimeFigureOut">
               <a:rPr lang="ko-KR" altLang="en-US" smtClean="0"/>
-              <a:t>2020-08-05</a:t>
+              <a:t>2020-08-06</a:t>
             </a:fld>
             <a:endParaRPr lang="ko-KR" altLang="en-US"/>
           </a:p>
@@ -884,7 +884,7 @@
           <a:p>
             <a:fld id="{0E1CBFC1-E5DE-46B6-AEA5-4B39643D9F71}" type="datetimeFigureOut">
               <a:rPr lang="ko-KR" altLang="en-US" smtClean="0"/>
-              <a:t>2020-08-05</a:t>
+              <a:t>2020-08-06</a:t>
             </a:fld>
             <a:endParaRPr lang="ko-KR" altLang="en-US"/>
           </a:p>
@@ -1159,7 +1159,7 @@
           <a:p>
             <a:fld id="{0E1CBFC1-E5DE-46B6-AEA5-4B39643D9F71}" type="datetimeFigureOut">
               <a:rPr lang="ko-KR" altLang="en-US" smtClean="0"/>
-              <a:t>2020-08-05</a:t>
+              <a:t>2020-08-06</a:t>
             </a:fld>
             <a:endParaRPr lang="ko-KR" altLang="en-US"/>
           </a:p>
@@ -1424,7 +1424,7 @@
           <a:p>
             <a:fld id="{0E1CBFC1-E5DE-46B6-AEA5-4B39643D9F71}" type="datetimeFigureOut">
               <a:rPr lang="ko-KR" altLang="en-US" smtClean="0"/>
-              <a:t>2020-08-05</a:t>
+              <a:t>2020-08-06</a:t>
             </a:fld>
             <a:endParaRPr lang="ko-KR" altLang="en-US"/>
           </a:p>
@@ -1836,7 +1836,7 @@
           <a:p>
             <a:fld id="{0E1CBFC1-E5DE-46B6-AEA5-4B39643D9F71}" type="datetimeFigureOut">
               <a:rPr lang="ko-KR" altLang="en-US" smtClean="0"/>
-              <a:t>2020-08-05</a:t>
+              <a:t>2020-08-06</a:t>
             </a:fld>
             <a:endParaRPr lang="ko-KR" altLang="en-US"/>
           </a:p>
@@ -1977,7 +1977,7 @@
           <a:p>
             <a:fld id="{0E1CBFC1-E5DE-46B6-AEA5-4B39643D9F71}" type="datetimeFigureOut">
               <a:rPr lang="ko-KR" altLang="en-US" smtClean="0"/>
-              <a:t>2020-08-05</a:t>
+              <a:t>2020-08-06</a:t>
             </a:fld>
             <a:endParaRPr lang="ko-KR" altLang="en-US"/>
           </a:p>
@@ -2090,7 +2090,7 @@
           <a:p>
             <a:fld id="{0E1CBFC1-E5DE-46B6-AEA5-4B39643D9F71}" type="datetimeFigureOut">
               <a:rPr lang="ko-KR" altLang="en-US" smtClean="0"/>
-              <a:t>2020-08-05</a:t>
+              <a:t>2020-08-06</a:t>
             </a:fld>
             <a:endParaRPr lang="ko-KR" altLang="en-US"/>
           </a:p>
@@ -2401,7 +2401,7 @@
           <a:p>
             <a:fld id="{0E1CBFC1-E5DE-46B6-AEA5-4B39643D9F71}" type="datetimeFigureOut">
               <a:rPr lang="ko-KR" altLang="en-US" smtClean="0"/>
-              <a:t>2020-08-05</a:t>
+              <a:t>2020-08-06</a:t>
             </a:fld>
             <a:endParaRPr lang="ko-KR" altLang="en-US"/>
           </a:p>
@@ -2689,7 +2689,7 @@
           <a:p>
             <a:fld id="{0E1CBFC1-E5DE-46B6-AEA5-4B39643D9F71}" type="datetimeFigureOut">
               <a:rPr lang="ko-KR" altLang="en-US" smtClean="0"/>
-              <a:t>2020-08-05</a:t>
+              <a:t>2020-08-06</a:t>
             </a:fld>
             <a:endParaRPr lang="ko-KR" altLang="en-US"/>
           </a:p>
@@ -2930,7 +2930,7 @@
           <a:p>
             <a:fld id="{0E1CBFC1-E5DE-46B6-AEA5-4B39643D9F71}" type="datetimeFigureOut">
               <a:rPr lang="ko-KR" altLang="en-US" smtClean="0"/>
-              <a:t>2020-08-05</a:t>
+              <a:t>2020-08-06</a:t>
             </a:fld>
             <a:endParaRPr lang="ko-KR" altLang="en-US"/>
           </a:p>
@@ -3724,7 +3724,7 @@
           <a:p>
             <a:pPr algn="ctr"/>
             <a:endParaRPr lang="ko-KR" altLang="en-US">
-              <a:latin typeface="+mj-lt"/>
+              <a:latin typeface="Arial Rounded MT Bold" panose="020F0704030504030204" pitchFamily="34" charset="0"/>
               <a:ea typeface="나눔손글씨 펜" panose="03040600000000000000" pitchFamily="66" charset="-127"/>
             </a:endParaRPr>
           </a:p>
@@ -3761,13 +3761,13 @@
             <a:pPr algn="ctr"/>
             <a:r>
               <a:rPr lang="en-US" altLang="ko-KR" sz="3600" dirty="0">
-                <a:latin typeface="+mj-lt"/>
+                <a:latin typeface="Arial Rounded MT Bold" panose="020F0704030504030204" pitchFamily="34" charset="0"/>
                 <a:ea typeface="나눔손글씨 펜" panose="03040600000000000000" pitchFamily="66" charset="-127"/>
               </a:rPr>
               <a:t>BLE Master Device Module</a:t>
             </a:r>
             <a:endParaRPr lang="ko-KR" altLang="en-US" sz="3600" dirty="0">
-              <a:latin typeface="+mj-lt"/>
+              <a:latin typeface="Arial Rounded MT Bold" panose="020F0704030504030204" pitchFamily="34" charset="0"/>
               <a:ea typeface="나눔손글씨 펜" panose="03040600000000000000" pitchFamily="66" charset="-127"/>
             </a:endParaRPr>
           </a:p>
@@ -3787,7 +3787,7 @@
         </p:nvSpPr>
         <p:spPr>
           <a:xfrm>
-            <a:off x="5549900" y="4079018"/>
+            <a:off x="5911450" y="4079018"/>
             <a:ext cx="4410223" cy="1015663"/>
           </a:xfrm>
           <a:prstGeom prst="rect">
@@ -3803,7 +3803,7 @@
           <a:p>
             <a:r>
               <a:rPr lang="en-US" altLang="ko-KR" sz="2000" dirty="0">
-                <a:latin typeface="+mj-lt"/>
+                <a:latin typeface="Arial Rounded MT Bold" panose="020F0704030504030204" pitchFamily="34" charset="0"/>
                 <a:ea typeface="나눔손글씨 펜" panose="03040600000000000000" pitchFamily="66" charset="-127"/>
               </a:rPr>
               <a:t>Designed and Run by Android</a:t>
@@ -3812,7 +3812,7 @@
           <a:p>
             <a:r>
               <a:rPr lang="en-US" altLang="ko-KR" sz="2000" dirty="0">
-                <a:latin typeface="+mj-lt"/>
+                <a:latin typeface="Arial Rounded MT Bold" panose="020F0704030504030204" pitchFamily="34" charset="0"/>
                 <a:ea typeface="나눔손글씨 펜" panose="03040600000000000000" pitchFamily="66" charset="-127"/>
               </a:rPr>
               <a:t>Email : ayteneve93@gmail.com</a:t>
@@ -3821,13 +3821,13 @@
           <a:p>
             <a:r>
               <a:rPr lang="en-US" altLang="ko-KR" sz="2000" dirty="0">
-                <a:latin typeface="+mj-lt"/>
+                <a:latin typeface="Arial Rounded MT Bold" panose="020F0704030504030204" pitchFamily="34" charset="0"/>
                 <a:ea typeface="나눔손글씨 펜" panose="03040600000000000000" pitchFamily="66" charset="-127"/>
               </a:rPr>
               <a:t>Mobile : +82)10-3224-9504</a:t>
             </a:r>
             <a:endParaRPr lang="ko-KR" altLang="en-US" sz="2000" dirty="0">
-              <a:latin typeface="+mj-lt"/>
+              <a:latin typeface="Arial Rounded MT Bold" panose="020F0704030504030204" pitchFamily="34" charset="0"/>
               <a:ea typeface="나눔손글씨 펜" panose="03040600000000000000" pitchFamily="66" charset="-127"/>
             </a:endParaRPr>
           </a:p>
@@ -3847,10 +3847,10 @@
         </p:nvGrpSpPr>
         <p:grpSpPr>
           <a:xfrm>
-            <a:off x="2010477" y="1570130"/>
-            <a:ext cx="8311196" cy="1292277"/>
-            <a:chOff x="2090759" y="1501901"/>
-            <a:chExt cx="8311196" cy="1292277"/>
+            <a:off x="2145516" y="1458365"/>
+            <a:ext cx="8176157" cy="1292277"/>
+            <a:chOff x="2225798" y="1390136"/>
+            <a:chExt cx="8176157" cy="1292277"/>
           </a:xfrm>
         </p:grpSpPr>
         <p:sp>
@@ -3867,7 +3867,7 @@
           </p:nvSpPr>
           <p:spPr>
             <a:xfrm>
-              <a:off x="3317138" y="1571978"/>
+              <a:off x="3317138" y="1640207"/>
               <a:ext cx="7084817" cy="1015663"/>
             </a:xfrm>
             <a:prstGeom prst="rect">
@@ -3884,13 +3884,13 @@
               <a:pPr algn="ctr"/>
               <a:r>
                 <a:rPr lang="en-US" altLang="ko-KR" sz="6000" b="1" dirty="0">
-                  <a:latin typeface="+mj-lt"/>
+                  <a:latin typeface="Arial Rounded MT Bold" panose="020F0704030504030204" pitchFamily="34" charset="0"/>
                   <a:ea typeface="나눔손글씨 펜" panose="03040600000000000000" pitchFamily="66" charset="-127"/>
                 </a:rPr>
                 <a:t>Blueberry Sherbet</a:t>
               </a:r>
               <a:endParaRPr lang="ko-KR" altLang="en-US" sz="7200" b="1" dirty="0">
-                <a:latin typeface="+mj-lt"/>
+                <a:latin typeface="Arial Rounded MT Bold" panose="020F0704030504030204" pitchFamily="34" charset="0"/>
                 <a:ea typeface="나눔손글씨 펜" panose="03040600000000000000" pitchFamily="66" charset="-127"/>
               </a:endParaRPr>
             </a:p>
@@ -3924,7 +3924,7 @@
           </p:blipFill>
           <p:spPr>
             <a:xfrm rot="900000">
-              <a:off x="2090759" y="1501901"/>
+              <a:off x="2225798" y="1390136"/>
               <a:ext cx="1292277" cy="1292277"/>
             </a:xfrm>
             <a:prstGeom prst="rect">

--- a/ReadMeRes/imageFactory.pptx
+++ b/ReadMeRes/imageFactory.pptx
@@ -8,6 +8,7 @@
     <p:sldId id="256" r:id="rId2"/>
     <p:sldId id="258" r:id="rId3"/>
     <p:sldId id="257" r:id="rId4"/>
+    <p:sldId id="259" r:id="rId5"/>
   </p:sldIdLst>
   <p:sldSz cx="12192000" cy="6858000"/>
   <p:notesSz cx="6858000" cy="9144000"/>
@@ -122,6 +123,7 @@
         <p14:section name="Card" id="{6E1ADC78-B666-49F3-A0BB-65DBCC4E181C}">
           <p14:sldIdLst>
             <p14:sldId id="257"/>
+            <p14:sldId id="259"/>
           </p14:sldIdLst>
         </p14:section>
       </p14:sectionLst>
@@ -3946,6 +3948,752 @@
 </p:sld>
 </file>
 
+<file path=ppt/slides/slide4.xml><?xml version="1.0" encoding="utf-8"?>
+<p:sld xmlns:a="http://schemas.openxmlformats.org/drawingml/2006/main" xmlns:r="http://schemas.openxmlformats.org/officeDocument/2006/relationships" xmlns:p="http://schemas.openxmlformats.org/presentationml/2006/main">
+  <p:cSld>
+    <p:spTree>
+      <p:nvGrpSpPr>
+        <p:cNvPr id="1" name=""/>
+        <p:cNvGrpSpPr/>
+        <p:nvPr/>
+      </p:nvGrpSpPr>
+      <p:grpSpPr>
+        <a:xfrm>
+          <a:off x="0" y="0"/>
+          <a:ext cx="0" cy="0"/>
+          <a:chOff x="0" y="0"/>
+          <a:chExt cx="0" cy="0"/>
+        </a:xfrm>
+      </p:grpSpPr>
+      <p:sp>
+        <p:nvSpPr>
+          <p:cNvPr id="9" name="직사각형 8">
+            <a:extLst>
+              <a:ext uri="{FF2B5EF4-FFF2-40B4-BE49-F238E27FC236}">
+                <a16:creationId xmlns:a16="http://schemas.microsoft.com/office/drawing/2014/main" id="{3508F68F-B7D9-413C-A273-EC2A5B853464}"/>
+              </a:ext>
+            </a:extLst>
+          </p:cNvPr>
+          <p:cNvSpPr/>
+          <p:nvPr/>
+        </p:nvSpPr>
+        <p:spPr>
+          <a:xfrm>
+            <a:off x="5322129" y="1128690"/>
+            <a:ext cx="5444745" cy="2584332"/>
+          </a:xfrm>
+          <a:prstGeom prst="rect">
+            <a:avLst/>
+          </a:prstGeom>
+          <a:gradFill flip="none" rotWithShape="1">
+            <a:gsLst>
+              <a:gs pos="0">
+                <a:schemeClr val="accent4">
+                  <a:shade val="30000"/>
+                  <a:satMod val="115000"/>
+                  <a:lumMod val="60000"/>
+                  <a:lumOff val="40000"/>
+                </a:schemeClr>
+              </a:gs>
+              <a:gs pos="100000">
+                <a:schemeClr val="accent4">
+                  <a:lumMod val="40000"/>
+                  <a:lumOff val="60000"/>
+                  <a:shade val="100000"/>
+                  <a:satMod val="115000"/>
+                </a:schemeClr>
+              </a:gs>
+            </a:gsLst>
+            <a:lin ang="16200000" scaled="1"/>
+            <a:tileRect/>
+          </a:gradFill>
+          <a:ln w="3175">
+            <a:noFill/>
+            <a:extLst>
+              <a:ext uri="{C807C97D-BFC1-408E-A445-0C87EB9F89A2}">
+                <ask:lineSketchStyleProps xmlns:ask="http://schemas.microsoft.com/office/drawing/2018/sketchyshapes">
+                  <ask:type>
+                    <ask:lineSketchNone/>
+                  </ask:type>
+                </ask:lineSketchStyleProps>
+              </a:ext>
+            </a:extLst>
+          </a:ln>
+        </p:spPr>
+        <p:style>
+          <a:lnRef idx="2">
+            <a:schemeClr val="accent1">
+              <a:shade val="50000"/>
+            </a:schemeClr>
+          </a:lnRef>
+          <a:fillRef idx="1">
+            <a:schemeClr val="accent1"/>
+          </a:fillRef>
+          <a:effectRef idx="0">
+            <a:schemeClr val="accent1"/>
+          </a:effectRef>
+          <a:fontRef idx="minor">
+            <a:schemeClr val="lt1"/>
+          </a:fontRef>
+        </p:style>
+        <p:txBody>
+          <a:bodyPr rtlCol="0" anchor="ctr"/>
+          <a:lstStyle/>
+          <a:p>
+            <a:pPr algn="ctr"/>
+            <a:endParaRPr lang="ko-KR" altLang="en-US">
+              <a:latin typeface="Arial Rounded MT Bold" panose="020F0704030504030204" pitchFamily="34" charset="0"/>
+              <a:ea typeface="나눔손글씨 펜" panose="03040600000000000000" pitchFamily="66" charset="-127"/>
+            </a:endParaRPr>
+          </a:p>
+        </p:txBody>
+      </p:sp>
+      <p:sp>
+        <p:nvSpPr>
+          <p:cNvPr id="31" name="직사각형 30">
+            <a:extLst>
+              <a:ext uri="{FF2B5EF4-FFF2-40B4-BE49-F238E27FC236}">
+                <a16:creationId xmlns:a16="http://schemas.microsoft.com/office/drawing/2014/main" id="{3A21F1BE-5E2D-4F66-8E6F-55B05D303809}"/>
+              </a:ext>
+            </a:extLst>
+          </p:cNvPr>
+          <p:cNvSpPr/>
+          <p:nvPr/>
+        </p:nvSpPr>
+        <p:spPr>
+          <a:xfrm>
+            <a:off x="1565274" y="1128688"/>
+            <a:ext cx="3756857" cy="4600621"/>
+          </a:xfrm>
+          <a:prstGeom prst="rect">
+            <a:avLst/>
+          </a:prstGeom>
+          <a:gradFill flip="none" rotWithShape="1">
+            <a:gsLst>
+              <a:gs pos="0">
+                <a:srgbClr val="6496FF">
+                  <a:shade val="30000"/>
+                  <a:satMod val="115000"/>
+                </a:srgbClr>
+              </a:gs>
+              <a:gs pos="50000">
+                <a:srgbClr val="6496FF">
+                  <a:shade val="67500"/>
+                  <a:satMod val="115000"/>
+                </a:srgbClr>
+              </a:gs>
+              <a:gs pos="100000">
+                <a:srgbClr val="6496FF">
+                  <a:shade val="100000"/>
+                  <a:satMod val="115000"/>
+                </a:srgbClr>
+              </a:gs>
+            </a:gsLst>
+            <a:lin ang="16200000" scaled="1"/>
+            <a:tileRect/>
+          </a:gradFill>
+          <a:ln w="3175">
+            <a:noFill/>
+            <a:extLst>
+              <a:ext uri="{C807C97D-BFC1-408E-A445-0C87EB9F89A2}">
+                <ask:lineSketchStyleProps xmlns:ask="http://schemas.microsoft.com/office/drawing/2018/sketchyshapes">
+                  <ask:type>
+                    <ask:lineSketchNone/>
+                  </ask:type>
+                </ask:lineSketchStyleProps>
+              </a:ext>
+            </a:extLst>
+          </a:ln>
+        </p:spPr>
+        <p:style>
+          <a:lnRef idx="2">
+            <a:schemeClr val="accent1">
+              <a:shade val="50000"/>
+            </a:schemeClr>
+          </a:lnRef>
+          <a:fillRef idx="1">
+            <a:schemeClr val="accent1"/>
+          </a:fillRef>
+          <a:effectRef idx="0">
+            <a:schemeClr val="accent1"/>
+          </a:effectRef>
+          <a:fontRef idx="minor">
+            <a:schemeClr val="lt1"/>
+          </a:fontRef>
+        </p:style>
+        <p:txBody>
+          <a:bodyPr rtlCol="0" anchor="ctr"/>
+          <a:lstStyle/>
+          <a:p>
+            <a:pPr algn="ctr"/>
+            <a:endParaRPr lang="ko-KR" altLang="en-US">
+              <a:latin typeface="Arial Rounded MT Bold" panose="020F0704030504030204" pitchFamily="34" charset="0"/>
+              <a:ea typeface="나눔손글씨 펜" panose="03040600000000000000" pitchFamily="66" charset="-127"/>
+            </a:endParaRPr>
+          </a:p>
+        </p:txBody>
+      </p:sp>
+      <p:sp>
+        <p:nvSpPr>
+          <p:cNvPr id="33" name="직사각형 32">
+            <a:extLst>
+              <a:ext uri="{FF2B5EF4-FFF2-40B4-BE49-F238E27FC236}">
+                <a16:creationId xmlns:a16="http://schemas.microsoft.com/office/drawing/2014/main" id="{CDB0AFD7-C739-481F-B830-FD18CCA853FD}"/>
+              </a:ext>
+            </a:extLst>
+          </p:cNvPr>
+          <p:cNvSpPr/>
+          <p:nvPr/>
+        </p:nvSpPr>
+        <p:spPr>
+          <a:xfrm>
+            <a:off x="5322131" y="3733800"/>
+            <a:ext cx="5444744" cy="1995509"/>
+          </a:xfrm>
+          <a:prstGeom prst="rect">
+            <a:avLst/>
+          </a:prstGeom>
+          <a:gradFill flip="none" rotWithShape="1">
+            <a:gsLst>
+              <a:gs pos="0">
+                <a:schemeClr val="accent2">
+                  <a:shade val="30000"/>
+                  <a:satMod val="115000"/>
+                </a:schemeClr>
+              </a:gs>
+              <a:gs pos="50000">
+                <a:schemeClr val="accent2">
+                  <a:shade val="67500"/>
+                  <a:satMod val="115000"/>
+                </a:schemeClr>
+              </a:gs>
+              <a:gs pos="100000">
+                <a:schemeClr val="accent2">
+                  <a:shade val="100000"/>
+                  <a:satMod val="115000"/>
+                </a:schemeClr>
+              </a:gs>
+            </a:gsLst>
+            <a:lin ang="16200000" scaled="1"/>
+            <a:tileRect/>
+          </a:gradFill>
+          <a:ln w="3175">
+            <a:noFill/>
+            <a:extLst>
+              <a:ext uri="{C807C97D-BFC1-408E-A445-0C87EB9F89A2}">
+                <ask:lineSketchStyleProps xmlns:ask="http://schemas.microsoft.com/office/drawing/2018/sketchyshapes">
+                  <ask:type>
+                    <ask:lineSketchNone/>
+                  </ask:type>
+                </ask:lineSketchStyleProps>
+              </a:ext>
+            </a:extLst>
+          </a:ln>
+        </p:spPr>
+        <p:style>
+          <a:lnRef idx="2">
+            <a:schemeClr val="accent1">
+              <a:shade val="50000"/>
+            </a:schemeClr>
+          </a:lnRef>
+          <a:fillRef idx="1">
+            <a:schemeClr val="accent1"/>
+          </a:fillRef>
+          <a:effectRef idx="0">
+            <a:schemeClr val="accent1"/>
+          </a:effectRef>
+          <a:fontRef idx="minor">
+            <a:schemeClr val="lt1"/>
+          </a:fontRef>
+        </p:style>
+        <p:txBody>
+          <a:bodyPr rtlCol="0" anchor="ctr"/>
+          <a:lstStyle/>
+          <a:p>
+            <a:pPr algn="ctr"/>
+            <a:endParaRPr lang="ko-KR" altLang="en-US">
+              <a:latin typeface="Arial Rounded MT Bold" panose="020F0704030504030204" pitchFamily="34" charset="0"/>
+              <a:ea typeface="나눔손글씨 펜" panose="03040600000000000000" pitchFamily="66" charset="-127"/>
+            </a:endParaRPr>
+          </a:p>
+        </p:txBody>
+      </p:sp>
+      <p:pic>
+        <p:nvPicPr>
+          <p:cNvPr id="29" name="그림 28">
+            <a:extLst>
+              <a:ext uri="{FF2B5EF4-FFF2-40B4-BE49-F238E27FC236}">
+                <a16:creationId xmlns:a16="http://schemas.microsoft.com/office/drawing/2014/main" id="{FA717314-1146-4956-91FF-2CB7F38C73F1}"/>
+              </a:ext>
+            </a:extLst>
+          </p:cNvPr>
+          <p:cNvPicPr>
+            <a:picLocks noChangeAspect="1"/>
+          </p:cNvPicPr>
+          <p:nvPr/>
+        </p:nvPicPr>
+        <p:blipFill rotWithShape="1">
+          <a:blip r:embed="rId2">
+            <a:extLst>
+              <a:ext uri="{28A0092B-C50C-407E-A947-70E740481C1C}">
+                <a14:useLocalDpi xmlns:a14="http://schemas.microsoft.com/office/drawing/2010/main" val="0"/>
+              </a:ext>
+            </a:extLst>
+          </a:blip>
+          <a:srcRect l="22458" t="3412" b="12292"/>
+          <a:stretch/>
+        </p:blipFill>
+        <p:spPr>
+          <a:xfrm>
+            <a:off x="1565275" y="1287841"/>
+            <a:ext cx="4085568" cy="4441469"/>
+          </a:xfrm>
+          <a:prstGeom prst="rect">
+            <a:avLst/>
+          </a:prstGeom>
+          <a:effectLst>
+            <a:outerShdw blurRad="50800" dist="38100" dir="2700000" sx="107000" sy="107000" algn="tl" rotWithShape="0">
+              <a:prstClr val="black">
+                <a:alpha val="40000"/>
+              </a:prstClr>
+            </a:outerShdw>
+          </a:effectLst>
+        </p:spPr>
+      </p:pic>
+      <p:sp>
+        <p:nvSpPr>
+          <p:cNvPr id="7" name="TextBox 6">
+            <a:extLst>
+              <a:ext uri="{FF2B5EF4-FFF2-40B4-BE49-F238E27FC236}">
+                <a16:creationId xmlns:a16="http://schemas.microsoft.com/office/drawing/2014/main" id="{6A287DA8-1153-4E19-8167-B4747F417654}"/>
+              </a:ext>
+            </a:extLst>
+          </p:cNvPr>
+          <p:cNvSpPr txBox="1"/>
+          <p:nvPr/>
+        </p:nvSpPr>
+        <p:spPr>
+          <a:xfrm>
+            <a:off x="5721080" y="3923089"/>
+            <a:ext cx="4876800" cy="523220"/>
+          </a:xfrm>
+          <a:prstGeom prst="rect">
+            <a:avLst/>
+          </a:prstGeom>
+          <a:noFill/>
+        </p:spPr>
+        <p:txBody>
+          <a:bodyPr wrap="square" rtlCol="0">
+            <a:spAutoFit/>
+          </a:bodyPr>
+          <a:lstStyle/>
+          <a:p>
+            <a:pPr algn="ctr"/>
+            <a:r>
+              <a:rPr lang="en-US" altLang="ko-KR" sz="2800" dirty="0">
+                <a:solidFill>
+                  <a:schemeClr val="bg1"/>
+                </a:solidFill>
+                <a:latin typeface="Arial Rounded MT Bold" panose="020F0704030504030204" pitchFamily="34" charset="0"/>
+                <a:ea typeface="나눔손글씨 펜" panose="03040600000000000000" pitchFamily="66" charset="-127"/>
+              </a:rPr>
+              <a:t>BLE Android Library</a:t>
+            </a:r>
+            <a:endParaRPr lang="ko-KR" altLang="en-US" sz="2800" dirty="0">
+              <a:solidFill>
+                <a:schemeClr val="bg1"/>
+              </a:solidFill>
+              <a:latin typeface="Arial Rounded MT Bold" panose="020F0704030504030204" pitchFamily="34" charset="0"/>
+              <a:ea typeface="나눔손글씨 펜" panose="03040600000000000000" pitchFamily="66" charset="-127"/>
+            </a:endParaRPr>
+          </a:p>
+        </p:txBody>
+      </p:sp>
+      <p:sp>
+        <p:nvSpPr>
+          <p:cNvPr id="26" name="TextBox 25">
+            <a:extLst>
+              <a:ext uri="{FF2B5EF4-FFF2-40B4-BE49-F238E27FC236}">
+                <a16:creationId xmlns:a16="http://schemas.microsoft.com/office/drawing/2014/main" id="{E4F84B1E-BA86-4E99-BA7B-30EA284AE311}"/>
+              </a:ext>
+            </a:extLst>
+          </p:cNvPr>
+          <p:cNvSpPr txBox="1"/>
+          <p:nvPr/>
+        </p:nvSpPr>
+        <p:spPr>
+          <a:xfrm>
+            <a:off x="8612751" y="4656377"/>
+            <a:ext cx="1528655" cy="276999"/>
+          </a:xfrm>
+          <a:prstGeom prst="rect">
+            <a:avLst/>
+          </a:prstGeom>
+          <a:noFill/>
+        </p:spPr>
+        <p:txBody>
+          <a:bodyPr wrap="square" rtlCol="0">
+            <a:spAutoFit/>
+          </a:bodyPr>
+          <a:lstStyle/>
+          <a:p>
+            <a:r>
+              <a:rPr lang="en-US" altLang="ko-KR" sz="1200" dirty="0">
+                <a:solidFill>
+                  <a:schemeClr val="bg1"/>
+                </a:solidFill>
+                <a:latin typeface="Arial Rounded MT Bold" panose="020F0704030504030204" pitchFamily="34" charset="0"/>
+                <a:ea typeface="나눔손글씨 펜" panose="03040600000000000000" pitchFamily="66" charset="-127"/>
+              </a:rPr>
+              <a:t>+82)10-3224-9504</a:t>
+            </a:r>
+            <a:endParaRPr lang="ko-KR" altLang="en-US" sz="1200" dirty="0">
+              <a:solidFill>
+                <a:schemeClr val="bg1"/>
+              </a:solidFill>
+              <a:latin typeface="Arial Rounded MT Bold" panose="020F0704030504030204" pitchFamily="34" charset="0"/>
+              <a:ea typeface="나눔손글씨 펜" panose="03040600000000000000" pitchFamily="66" charset="-127"/>
+            </a:endParaRPr>
+          </a:p>
+        </p:txBody>
+      </p:sp>
+      <p:sp>
+        <p:nvSpPr>
+          <p:cNvPr id="27" name="TextBox 26">
+            <a:extLst>
+              <a:ext uri="{FF2B5EF4-FFF2-40B4-BE49-F238E27FC236}">
+                <a16:creationId xmlns:a16="http://schemas.microsoft.com/office/drawing/2014/main" id="{A4DA1719-9C4B-4F85-A98D-DA179365CE78}"/>
+              </a:ext>
+            </a:extLst>
+          </p:cNvPr>
+          <p:cNvSpPr txBox="1"/>
+          <p:nvPr/>
+        </p:nvSpPr>
+        <p:spPr>
+          <a:xfrm>
+            <a:off x="8612751" y="5178277"/>
+            <a:ext cx="2045836" cy="276999"/>
+          </a:xfrm>
+          <a:prstGeom prst="rect">
+            <a:avLst/>
+          </a:prstGeom>
+          <a:noFill/>
+        </p:spPr>
+        <p:txBody>
+          <a:bodyPr wrap="square" rtlCol="0">
+            <a:spAutoFit/>
+          </a:bodyPr>
+          <a:lstStyle/>
+          <a:p>
+            <a:r>
+              <a:rPr lang="en-US" altLang="ko-KR" sz="1200" dirty="0">
+                <a:solidFill>
+                  <a:schemeClr val="bg1"/>
+                </a:solidFill>
+                <a:latin typeface="Arial Rounded MT Bold" panose="020F0704030504030204" pitchFamily="34" charset="0"/>
+                <a:ea typeface="나눔손글씨 펜" panose="03040600000000000000" pitchFamily="66" charset="-127"/>
+              </a:rPr>
+              <a:t>ayteneve93@gmail.com</a:t>
+            </a:r>
+            <a:endParaRPr lang="ko-KR" altLang="en-US" sz="1200" dirty="0">
+              <a:solidFill>
+                <a:schemeClr val="bg1"/>
+              </a:solidFill>
+              <a:latin typeface="Arial Rounded MT Bold" panose="020F0704030504030204" pitchFamily="34" charset="0"/>
+              <a:ea typeface="나눔손글씨 펜" panose="03040600000000000000" pitchFamily="66" charset="-127"/>
+            </a:endParaRPr>
+          </a:p>
+        </p:txBody>
+      </p:sp>
+      <p:cxnSp>
+        <p:nvCxnSpPr>
+          <p:cNvPr id="37" name="직선 연결선 36">
+            <a:extLst>
+              <a:ext uri="{FF2B5EF4-FFF2-40B4-BE49-F238E27FC236}">
+                <a16:creationId xmlns:a16="http://schemas.microsoft.com/office/drawing/2014/main" id="{06D78466-78D2-4203-A7AB-70F05DC4B916}"/>
+              </a:ext>
+            </a:extLst>
+          </p:cNvPr>
+          <p:cNvCxnSpPr/>
+          <p:nvPr/>
+        </p:nvCxnSpPr>
+        <p:spPr>
+          <a:xfrm>
+            <a:off x="5322135" y="1128688"/>
+            <a:ext cx="0" cy="4600621"/>
+          </a:xfrm>
+          <a:prstGeom prst="line">
+            <a:avLst/>
+          </a:prstGeom>
+          <a:ln w="38100">
+            <a:solidFill>
+              <a:schemeClr val="tx1"/>
+            </a:solidFill>
+          </a:ln>
+        </p:spPr>
+        <p:style>
+          <a:lnRef idx="1">
+            <a:schemeClr val="accent1"/>
+          </a:lnRef>
+          <a:fillRef idx="0">
+            <a:schemeClr val="accent1"/>
+          </a:fillRef>
+          <a:effectRef idx="0">
+            <a:schemeClr val="accent1"/>
+          </a:effectRef>
+          <a:fontRef idx="minor">
+            <a:schemeClr val="tx1"/>
+          </a:fontRef>
+        </p:style>
+      </p:cxnSp>
+      <p:cxnSp>
+        <p:nvCxnSpPr>
+          <p:cNvPr id="38" name="직선 연결선 37">
+            <a:extLst>
+              <a:ext uri="{FF2B5EF4-FFF2-40B4-BE49-F238E27FC236}">
+                <a16:creationId xmlns:a16="http://schemas.microsoft.com/office/drawing/2014/main" id="{CA11B845-C428-4DE9-AE09-AA77026640BB}"/>
+              </a:ext>
+            </a:extLst>
+          </p:cNvPr>
+          <p:cNvCxnSpPr>
+            <a:cxnSpLocks/>
+          </p:cNvCxnSpPr>
+          <p:nvPr/>
+        </p:nvCxnSpPr>
+        <p:spPr>
+          <a:xfrm flipV="1">
+            <a:off x="5322131" y="3726040"/>
+            <a:ext cx="5444744" cy="26060"/>
+          </a:xfrm>
+          <a:prstGeom prst="line">
+            <a:avLst/>
+          </a:prstGeom>
+          <a:ln w="76200">
+            <a:solidFill>
+              <a:schemeClr val="tx1"/>
+            </a:solidFill>
+          </a:ln>
+        </p:spPr>
+        <p:style>
+          <a:lnRef idx="1">
+            <a:schemeClr val="accent1"/>
+          </a:lnRef>
+          <a:fillRef idx="0">
+            <a:schemeClr val="accent1"/>
+          </a:fillRef>
+          <a:effectRef idx="0">
+            <a:schemeClr val="accent1"/>
+          </a:effectRef>
+          <a:fontRef idx="minor">
+            <a:schemeClr val="tx1"/>
+          </a:fontRef>
+        </p:style>
+      </p:cxnSp>
+      <p:sp>
+        <p:nvSpPr>
+          <p:cNvPr id="6" name="TextBox 5">
+            <a:extLst>
+              <a:ext uri="{FF2B5EF4-FFF2-40B4-BE49-F238E27FC236}">
+                <a16:creationId xmlns:a16="http://schemas.microsoft.com/office/drawing/2014/main" id="{3035A14E-4DC4-4DC0-B1EA-16112F836CBD}"/>
+              </a:ext>
+            </a:extLst>
+          </p:cNvPr>
+          <p:cNvSpPr txBox="1"/>
+          <p:nvPr/>
+        </p:nvSpPr>
+        <p:spPr>
+          <a:xfrm>
+            <a:off x="5547978" y="1420462"/>
+            <a:ext cx="4998214" cy="2144177"/>
+          </a:xfrm>
+          <a:prstGeom prst="rect">
+            <a:avLst/>
+          </a:prstGeom>
+          <a:noFill/>
+        </p:spPr>
+        <p:txBody>
+          <a:bodyPr wrap="square" rtlCol="0">
+            <a:spAutoFit/>
+          </a:bodyPr>
+          <a:lstStyle/>
+          <a:p>
+            <a:pPr algn="ctr">
+              <a:lnSpc>
+                <a:spcPts val="8000"/>
+              </a:lnSpc>
+            </a:pPr>
+            <a:r>
+              <a:rPr lang="en-US" altLang="ko-KR" sz="8000" b="1" dirty="0">
+                <a:solidFill>
+                  <a:schemeClr val="bg1"/>
+                </a:solidFill>
+                <a:effectLst>
+                  <a:outerShdw blurRad="50800" dist="38100" dir="2700000" algn="tl" rotWithShape="0">
+                    <a:prstClr val="black">
+                      <a:alpha val="40000"/>
+                    </a:prstClr>
+                  </a:outerShdw>
+                </a:effectLst>
+              </a:rPr>
+              <a:t>Blueberry</a:t>
+            </a:r>
+          </a:p>
+          <a:p>
+            <a:pPr algn="ctr">
+              <a:lnSpc>
+                <a:spcPts val="8000"/>
+              </a:lnSpc>
+            </a:pPr>
+            <a:r>
+              <a:rPr lang="en-US" altLang="ko-KR" sz="8000" dirty="0">
+                <a:solidFill>
+                  <a:schemeClr val="bg1"/>
+                </a:solidFill>
+                <a:effectLst>
+                  <a:outerShdw blurRad="50800" dist="38100" dir="2700000" algn="tl" rotWithShape="0">
+                    <a:prstClr val="black">
+                      <a:alpha val="40000"/>
+                    </a:prstClr>
+                  </a:outerShdw>
+                </a:effectLst>
+              </a:rPr>
+              <a:t>Sherbet</a:t>
+            </a:r>
+            <a:endParaRPr lang="ko-KR" altLang="en-US" sz="8000" dirty="0">
+              <a:solidFill>
+                <a:schemeClr val="bg1"/>
+              </a:solidFill>
+              <a:effectLst>
+                <a:outerShdw blurRad="50800" dist="38100" dir="2700000" algn="tl" rotWithShape="0">
+                  <a:prstClr val="black">
+                    <a:alpha val="40000"/>
+                  </a:prstClr>
+                </a:outerShdw>
+              </a:effectLst>
+            </a:endParaRPr>
+          </a:p>
+        </p:txBody>
+      </p:sp>
+      <p:pic>
+        <p:nvPicPr>
+          <p:cNvPr id="3" name="그림 2" descr="그리기이(가) 표시된 사진&#10;&#10;자동 생성된 설명">
+            <a:extLst>
+              <a:ext uri="{FF2B5EF4-FFF2-40B4-BE49-F238E27FC236}">
+                <a16:creationId xmlns:a16="http://schemas.microsoft.com/office/drawing/2014/main" id="{B22A81BA-A8FE-4CC4-810F-50B09DD75A0A}"/>
+              </a:ext>
+            </a:extLst>
+          </p:cNvPr>
+          <p:cNvPicPr>
+            <a:picLocks noChangeAspect="1"/>
+          </p:cNvPicPr>
+          <p:nvPr/>
+        </p:nvPicPr>
+        <p:blipFill>
+          <a:blip r:embed="rId3">
+            <a:extLst>
+              <a:ext uri="{28A0092B-C50C-407E-A947-70E740481C1C}">
+                <a14:useLocalDpi xmlns:a14="http://schemas.microsoft.com/office/drawing/2010/main" val="0"/>
+              </a:ext>
+            </a:extLst>
+          </a:blip>
+          <a:stretch>
+            <a:fillRect/>
+          </a:stretch>
+        </p:blipFill>
+        <p:spPr>
+          <a:xfrm>
+            <a:off x="8220889" y="4618997"/>
+            <a:ext cx="360000" cy="360000"/>
+          </a:xfrm>
+          <a:prstGeom prst="rect">
+            <a:avLst/>
+          </a:prstGeom>
+        </p:spPr>
+      </p:pic>
+      <p:pic>
+        <p:nvPicPr>
+          <p:cNvPr id="5" name="그림 4" descr="시계이(가) 표시된 사진&#10;&#10;자동 생성된 설명">
+            <a:extLst>
+              <a:ext uri="{FF2B5EF4-FFF2-40B4-BE49-F238E27FC236}">
+                <a16:creationId xmlns:a16="http://schemas.microsoft.com/office/drawing/2014/main" id="{FE12F5B4-8F7B-4E1A-A60E-3756035064F1}"/>
+              </a:ext>
+            </a:extLst>
+          </p:cNvPr>
+          <p:cNvPicPr>
+            <a:picLocks noChangeAspect="1"/>
+          </p:cNvPicPr>
+          <p:nvPr/>
+        </p:nvPicPr>
+        <p:blipFill>
+          <a:blip r:embed="rId4">
+            <a:extLst>
+              <a:ext uri="{28A0092B-C50C-407E-A947-70E740481C1C}">
+                <a14:useLocalDpi xmlns:a14="http://schemas.microsoft.com/office/drawing/2010/main" val="0"/>
+              </a:ext>
+            </a:extLst>
+          </a:blip>
+          <a:stretch>
+            <a:fillRect/>
+          </a:stretch>
+        </p:blipFill>
+        <p:spPr>
+          <a:xfrm>
+            <a:off x="8220889" y="5140638"/>
+            <a:ext cx="360000" cy="360000"/>
+          </a:xfrm>
+          <a:prstGeom prst="rect">
+            <a:avLst/>
+          </a:prstGeom>
+        </p:spPr>
+      </p:pic>
+      <p:pic>
+        <p:nvPicPr>
+          <p:cNvPr id="10" name="그림 9">
+            <a:extLst>
+              <a:ext uri="{FF2B5EF4-FFF2-40B4-BE49-F238E27FC236}">
+                <a16:creationId xmlns:a16="http://schemas.microsoft.com/office/drawing/2014/main" id="{58E215BF-EA78-4E55-85D7-CF0E74AB4BDB}"/>
+              </a:ext>
+            </a:extLst>
+          </p:cNvPr>
+          <p:cNvPicPr>
+            <a:picLocks noChangeAspect="1"/>
+          </p:cNvPicPr>
+          <p:nvPr/>
+        </p:nvPicPr>
+        <p:blipFill rotWithShape="1">
+          <a:blip r:embed="rId5">
+            <a:extLst>
+              <a:ext uri="{28A0092B-C50C-407E-A947-70E740481C1C}">
+                <a14:useLocalDpi xmlns:a14="http://schemas.microsoft.com/office/drawing/2010/main" val="0"/>
+              </a:ext>
+            </a:extLst>
+          </a:blip>
+          <a:srcRect l="266" t="4035" r="3458" b="7713"/>
+          <a:stretch/>
+        </p:blipFill>
+        <p:spPr>
+          <a:xfrm>
+            <a:off x="1895475" y="7067550"/>
+            <a:ext cx="9191625" cy="4584040"/>
+          </a:xfrm>
+          <a:prstGeom prst="rect">
+            <a:avLst/>
+          </a:prstGeom>
+        </p:spPr>
+      </p:pic>
+    </p:spTree>
+    <p:extLst>
+      <p:ext uri="{BB962C8B-B14F-4D97-AF65-F5344CB8AC3E}">
+        <p14:creationId xmlns:p14="http://schemas.microsoft.com/office/powerpoint/2010/main" val="2820112302"/>
+      </p:ext>
+    </p:extLst>
+  </p:cSld>
+  <p:clrMapOvr>
+    <a:masterClrMapping/>
+  </p:clrMapOvr>
+</p:sld>
+</file>
+
 <file path=ppt/theme/theme1.xml><?xml version="1.0" encoding="utf-8"?>
 <a:theme xmlns:a="http://schemas.openxmlformats.org/drawingml/2006/main" name="Office 테마">
   <a:themeElements>

--- a/ReadMeRes/imageFactory.pptx
+++ b/ReadMeRes/imageFactory.pptx
@@ -282,7 +282,7 @@
           <a:p>
             <a:fld id="{0E1CBFC1-E5DE-46B6-AEA5-4B39643D9F71}" type="datetimeFigureOut">
               <a:rPr lang="ko-KR" altLang="en-US" smtClean="0"/>
-              <a:t>2020-08-06</a:t>
+              <a:t>2020-08-19</a:t>
             </a:fld>
             <a:endParaRPr lang="ko-KR" altLang="en-US"/>
           </a:p>
@@ -480,7 +480,7 @@
           <a:p>
             <a:fld id="{0E1CBFC1-E5DE-46B6-AEA5-4B39643D9F71}" type="datetimeFigureOut">
               <a:rPr lang="ko-KR" altLang="en-US" smtClean="0"/>
-              <a:t>2020-08-06</a:t>
+              <a:t>2020-08-19</a:t>
             </a:fld>
             <a:endParaRPr lang="ko-KR" altLang="en-US"/>
           </a:p>
@@ -688,7 +688,7 @@
           <a:p>
             <a:fld id="{0E1CBFC1-E5DE-46B6-AEA5-4B39643D9F71}" type="datetimeFigureOut">
               <a:rPr lang="ko-KR" altLang="en-US" smtClean="0"/>
-              <a:t>2020-08-06</a:t>
+              <a:t>2020-08-19</a:t>
             </a:fld>
             <a:endParaRPr lang="ko-KR" altLang="en-US"/>
           </a:p>
@@ -886,7 +886,7 @@
           <a:p>
             <a:fld id="{0E1CBFC1-E5DE-46B6-AEA5-4B39643D9F71}" type="datetimeFigureOut">
               <a:rPr lang="ko-KR" altLang="en-US" smtClean="0"/>
-              <a:t>2020-08-06</a:t>
+              <a:t>2020-08-19</a:t>
             </a:fld>
             <a:endParaRPr lang="ko-KR" altLang="en-US"/>
           </a:p>
@@ -1161,7 +1161,7 @@
           <a:p>
             <a:fld id="{0E1CBFC1-E5DE-46B6-AEA5-4B39643D9F71}" type="datetimeFigureOut">
               <a:rPr lang="ko-KR" altLang="en-US" smtClean="0"/>
-              <a:t>2020-08-06</a:t>
+              <a:t>2020-08-19</a:t>
             </a:fld>
             <a:endParaRPr lang="ko-KR" altLang="en-US"/>
           </a:p>
@@ -1426,7 +1426,7 @@
           <a:p>
             <a:fld id="{0E1CBFC1-E5DE-46B6-AEA5-4B39643D9F71}" type="datetimeFigureOut">
               <a:rPr lang="ko-KR" altLang="en-US" smtClean="0"/>
-              <a:t>2020-08-06</a:t>
+              <a:t>2020-08-19</a:t>
             </a:fld>
             <a:endParaRPr lang="ko-KR" altLang="en-US"/>
           </a:p>
@@ -1838,7 +1838,7 @@
           <a:p>
             <a:fld id="{0E1CBFC1-E5DE-46B6-AEA5-4B39643D9F71}" type="datetimeFigureOut">
               <a:rPr lang="ko-KR" altLang="en-US" smtClean="0"/>
-              <a:t>2020-08-06</a:t>
+              <a:t>2020-08-19</a:t>
             </a:fld>
             <a:endParaRPr lang="ko-KR" altLang="en-US"/>
           </a:p>
@@ -1979,7 +1979,7 @@
           <a:p>
             <a:fld id="{0E1CBFC1-E5DE-46B6-AEA5-4B39643D9F71}" type="datetimeFigureOut">
               <a:rPr lang="ko-KR" altLang="en-US" smtClean="0"/>
-              <a:t>2020-08-06</a:t>
+              <a:t>2020-08-19</a:t>
             </a:fld>
             <a:endParaRPr lang="ko-KR" altLang="en-US"/>
           </a:p>
@@ -2092,7 +2092,7 @@
           <a:p>
             <a:fld id="{0E1CBFC1-E5DE-46B6-AEA5-4B39643D9F71}" type="datetimeFigureOut">
               <a:rPr lang="ko-KR" altLang="en-US" smtClean="0"/>
-              <a:t>2020-08-06</a:t>
+              <a:t>2020-08-19</a:t>
             </a:fld>
             <a:endParaRPr lang="ko-KR" altLang="en-US"/>
           </a:p>
@@ -2403,7 +2403,7 @@
           <a:p>
             <a:fld id="{0E1CBFC1-E5DE-46B6-AEA5-4B39643D9F71}" type="datetimeFigureOut">
               <a:rPr lang="ko-KR" altLang="en-US" smtClean="0"/>
-              <a:t>2020-08-06</a:t>
+              <a:t>2020-08-19</a:t>
             </a:fld>
             <a:endParaRPr lang="ko-KR" altLang="en-US"/>
           </a:p>
@@ -2691,7 +2691,7 @@
           <a:p>
             <a:fld id="{0E1CBFC1-E5DE-46B6-AEA5-4B39643D9F71}" type="datetimeFigureOut">
               <a:rPr lang="ko-KR" altLang="en-US" smtClean="0"/>
-              <a:t>2020-08-06</a:t>
+              <a:t>2020-08-19</a:t>
             </a:fld>
             <a:endParaRPr lang="ko-KR" altLang="en-US"/>
           </a:p>
@@ -2932,7 +2932,7 @@
           <a:p>
             <a:fld id="{0E1CBFC1-E5DE-46B6-AEA5-4B39643D9F71}" type="datetimeFigureOut">
               <a:rPr lang="ko-KR" altLang="en-US" smtClean="0"/>
-              <a:t>2020-08-06</a:t>
+              <a:t>2020-08-19</a:t>
             </a:fld>
             <a:endParaRPr lang="ko-KR" altLang="en-US"/>
           </a:p>
@@ -3351,10 +3351,10 @@
       </p:grpSpPr>
       <p:grpSp>
         <p:nvGrpSpPr>
-          <p:cNvPr id="2" name="그룹 1">
-            <a:extLst>
-              <a:ext uri="{FF2B5EF4-FFF2-40B4-BE49-F238E27FC236}">
-                <a16:creationId xmlns:a16="http://schemas.microsoft.com/office/drawing/2014/main" id="{4E91BADD-FF9B-487A-9802-B50AA3E50E6B}"/>
+          <p:cNvPr id="4" name="그룹 3">
+            <a:extLst>
+              <a:ext uri="{FF2B5EF4-FFF2-40B4-BE49-F238E27FC236}">
+                <a16:creationId xmlns:a16="http://schemas.microsoft.com/office/drawing/2014/main" id="{6016935D-D0D7-4693-8746-BBA66D3CD22A}"/>
               </a:ext>
             </a:extLst>
           </p:cNvPr>
@@ -3363,83 +3363,154 @@
         </p:nvGrpSpPr>
         <p:grpSpPr>
           <a:xfrm>
-            <a:off x="3807555" y="849121"/>
-            <a:ext cx="4576890" cy="5159758"/>
-            <a:chOff x="1758950" y="180865"/>
-            <a:chExt cx="4576890" cy="5159758"/>
+            <a:off x="3458250" y="882718"/>
+            <a:ext cx="5275500" cy="5275500"/>
+            <a:chOff x="3458250" y="882718"/>
+            <a:chExt cx="5275500" cy="5275500"/>
           </a:xfrm>
         </p:grpSpPr>
-        <p:pic>
-          <p:nvPicPr>
-            <p:cNvPr id="7" name="그림 6">
+        <p:sp>
+          <p:nvSpPr>
+            <p:cNvPr id="3" name="직사각형 2">
               <a:extLst>
                 <a:ext uri="{FF2B5EF4-FFF2-40B4-BE49-F238E27FC236}">
-                  <a16:creationId xmlns:a16="http://schemas.microsoft.com/office/drawing/2014/main" id="{FAC730F1-4D15-4CD5-832C-D47DD15720BC}"/>
+                  <a16:creationId xmlns:a16="http://schemas.microsoft.com/office/drawing/2014/main" id="{182F8C8F-6FF1-4DF3-AA9D-E1B04AFB97B8}"/>
                 </a:ext>
               </a:extLst>
             </p:cNvPr>
-            <p:cNvPicPr>
-              <a:picLocks noChangeAspect="1"/>
-            </p:cNvPicPr>
+            <p:cNvSpPr/>
             <p:nvPr/>
-          </p:nvPicPr>
-          <p:blipFill rotWithShape="1">
-            <a:blip r:embed="rId2">
-              <a:extLst>
-                <a:ext uri="{28A0092B-C50C-407E-A947-70E740481C1C}">
-                  <a14:useLocalDpi xmlns:a14="http://schemas.microsoft.com/office/drawing/2010/main" val="0"/>
-                </a:ext>
-              </a:extLst>
-            </a:blip>
-            <a:srcRect l="6138"/>
-            <a:stretch/>
-          </p:blipFill>
+          </p:nvSpPr>
           <p:spPr>
             <a:xfrm>
-              <a:off x="1758950" y="464433"/>
-              <a:ext cx="4576890" cy="4876190"/>
+              <a:off x="3458250" y="882718"/>
+              <a:ext cx="5275500" cy="5275500"/>
             </a:xfrm>
             <a:prstGeom prst="rect">
               <a:avLst/>
             </a:prstGeom>
+            <a:noFill/>
+            <a:ln>
+              <a:noFill/>
+            </a:ln>
           </p:spPr>
-        </p:pic>
-        <p:pic>
-          <p:nvPicPr>
-            <p:cNvPr id="5" name="그림 4">
+          <p:style>
+            <a:lnRef idx="2">
+              <a:schemeClr val="accent1">
+                <a:shade val="50000"/>
+              </a:schemeClr>
+            </a:lnRef>
+            <a:fillRef idx="1">
+              <a:schemeClr val="accent1"/>
+            </a:fillRef>
+            <a:effectRef idx="0">
+              <a:schemeClr val="accent1"/>
+            </a:effectRef>
+            <a:fontRef idx="minor">
+              <a:schemeClr val="lt1"/>
+            </a:fontRef>
+          </p:style>
+          <p:txBody>
+            <a:bodyPr rtlCol="0" anchor="ctr"/>
+            <a:lstStyle/>
+            <a:p>
+              <a:pPr algn="ctr"/>
+              <a:endParaRPr lang="ko-KR" altLang="en-US"/>
+            </a:p>
+          </p:txBody>
+        </p:sp>
+        <p:grpSp>
+          <p:nvGrpSpPr>
+            <p:cNvPr id="2" name="그룹 1">
               <a:extLst>
                 <a:ext uri="{FF2B5EF4-FFF2-40B4-BE49-F238E27FC236}">
-                  <a16:creationId xmlns:a16="http://schemas.microsoft.com/office/drawing/2014/main" id="{556556A2-DE7A-40C5-9C07-3AFDF339460A}"/>
+                  <a16:creationId xmlns:a16="http://schemas.microsoft.com/office/drawing/2014/main" id="{4E91BADD-FF9B-487A-9802-B50AA3E50E6B}"/>
                 </a:ext>
               </a:extLst>
             </p:cNvPr>
-            <p:cNvPicPr>
-              <a:picLocks noChangeAspect="1"/>
-            </p:cNvPicPr>
+            <p:cNvGrpSpPr/>
             <p:nvPr/>
-          </p:nvPicPr>
-          <p:blipFill>
-            <a:blip r:embed="rId3">
-              <a:extLst>
-                <a:ext uri="{28A0092B-C50C-407E-A947-70E740481C1C}">
-                  <a14:useLocalDpi xmlns:a14="http://schemas.microsoft.com/office/drawing/2010/main" val="0"/>
-                </a:ext>
-              </a:extLst>
-            </a:blip>
-            <a:stretch>
-              <a:fillRect/>
-            </a:stretch>
-          </p:blipFill>
-          <p:spPr>
-            <a:xfrm rot="735948">
-              <a:off x="3493136" y="180865"/>
-              <a:ext cx="1220771" cy="1220771"/>
+          </p:nvGrpSpPr>
+          <p:grpSpPr>
+            <a:xfrm>
+              <a:off x="3807555" y="998460"/>
+              <a:ext cx="4576890" cy="5159758"/>
+              <a:chOff x="1758950" y="180865"/>
+              <a:chExt cx="4576890" cy="5159758"/>
             </a:xfrm>
-            <a:prstGeom prst="rect">
-              <a:avLst/>
-            </a:prstGeom>
-          </p:spPr>
-        </p:pic>
+          </p:grpSpPr>
+          <p:pic>
+            <p:nvPicPr>
+              <p:cNvPr id="7" name="그림 6">
+                <a:extLst>
+                  <a:ext uri="{FF2B5EF4-FFF2-40B4-BE49-F238E27FC236}">
+                    <a16:creationId xmlns:a16="http://schemas.microsoft.com/office/drawing/2014/main" id="{FAC730F1-4D15-4CD5-832C-D47DD15720BC}"/>
+                  </a:ext>
+                </a:extLst>
+              </p:cNvPr>
+              <p:cNvPicPr>
+                <a:picLocks noChangeAspect="1"/>
+              </p:cNvPicPr>
+              <p:nvPr/>
+            </p:nvPicPr>
+            <p:blipFill rotWithShape="1">
+              <a:blip r:embed="rId2">
+                <a:extLst>
+                  <a:ext uri="{28A0092B-C50C-407E-A947-70E740481C1C}">
+                    <a14:useLocalDpi xmlns:a14="http://schemas.microsoft.com/office/drawing/2010/main" val="0"/>
+                  </a:ext>
+                </a:extLst>
+              </a:blip>
+              <a:srcRect l="6138"/>
+              <a:stretch/>
+            </p:blipFill>
+            <p:spPr>
+              <a:xfrm>
+                <a:off x="1758950" y="464433"/>
+                <a:ext cx="4576890" cy="4876190"/>
+              </a:xfrm>
+              <a:prstGeom prst="rect">
+                <a:avLst/>
+              </a:prstGeom>
+            </p:spPr>
+          </p:pic>
+          <p:pic>
+            <p:nvPicPr>
+              <p:cNvPr id="5" name="그림 4">
+                <a:extLst>
+                  <a:ext uri="{FF2B5EF4-FFF2-40B4-BE49-F238E27FC236}">
+                    <a16:creationId xmlns:a16="http://schemas.microsoft.com/office/drawing/2014/main" id="{556556A2-DE7A-40C5-9C07-3AFDF339460A}"/>
+                  </a:ext>
+                </a:extLst>
+              </p:cNvPr>
+              <p:cNvPicPr>
+                <a:picLocks noChangeAspect="1"/>
+              </p:cNvPicPr>
+              <p:nvPr/>
+            </p:nvPicPr>
+            <p:blipFill>
+              <a:blip r:embed="rId3">
+                <a:extLst>
+                  <a:ext uri="{28A0092B-C50C-407E-A947-70E740481C1C}">
+                    <a14:useLocalDpi xmlns:a14="http://schemas.microsoft.com/office/drawing/2010/main" val="0"/>
+                  </a:ext>
+                </a:extLst>
+              </a:blip>
+              <a:stretch>
+                <a:fillRect/>
+              </a:stretch>
+            </p:blipFill>
+            <p:spPr>
+              <a:xfrm rot="735948">
+                <a:off x="3493136" y="180865"/>
+                <a:ext cx="1220771" cy="1220771"/>
+              </a:xfrm>
+              <a:prstGeom prst="rect">
+                <a:avLst/>
+              </a:prstGeom>
+            </p:spPr>
+          </p:pic>
+        </p:grpSp>
       </p:grpSp>
     </p:spTree>
     <p:extLst>
